--- a/Tutorial 5 Iterative methods.pptx
+++ b/Tutorial 5 Iterative methods.pptx
@@ -5,10 +5,10 @@
     <p:sldMasterId id="2147483648" r:id="rId4"/>
   </p:sldMasterIdLst>
   <p:notesMasterIdLst>
-    <p:notesMasterId r:id="rId25"/>
+    <p:notesMasterId r:id="rId24"/>
   </p:notesMasterIdLst>
   <p:handoutMasterIdLst>
-    <p:handoutMasterId r:id="rId26"/>
+    <p:handoutMasterId r:id="rId25"/>
   </p:handoutMasterIdLst>
   <p:sldIdLst>
     <p:sldId id="256" r:id="rId5"/>
@@ -17,20 +17,19 @@
     <p:sldId id="261" r:id="rId8"/>
     <p:sldId id="262" r:id="rId9"/>
     <p:sldId id="266" r:id="rId10"/>
-    <p:sldId id="267" r:id="rId11"/>
-    <p:sldId id="268" r:id="rId12"/>
-    <p:sldId id="269" r:id="rId13"/>
-    <p:sldId id="270" r:id="rId14"/>
-    <p:sldId id="275" r:id="rId15"/>
-    <p:sldId id="276" r:id="rId16"/>
-    <p:sldId id="277" r:id="rId17"/>
-    <p:sldId id="278" r:id="rId18"/>
-    <p:sldId id="280" r:id="rId19"/>
-    <p:sldId id="281" r:id="rId20"/>
-    <p:sldId id="282" r:id="rId21"/>
-    <p:sldId id="283" r:id="rId22"/>
-    <p:sldId id="284" r:id="rId23"/>
-    <p:sldId id="285" r:id="rId24"/>
+    <p:sldId id="268" r:id="rId11"/>
+    <p:sldId id="269" r:id="rId12"/>
+    <p:sldId id="270" r:id="rId13"/>
+    <p:sldId id="275" r:id="rId14"/>
+    <p:sldId id="276" r:id="rId15"/>
+    <p:sldId id="277" r:id="rId16"/>
+    <p:sldId id="278" r:id="rId17"/>
+    <p:sldId id="280" r:id="rId18"/>
+    <p:sldId id="281" r:id="rId19"/>
+    <p:sldId id="282" r:id="rId20"/>
+    <p:sldId id="283" r:id="rId21"/>
+    <p:sldId id="284" r:id="rId22"/>
+    <p:sldId id="285" r:id="rId23"/>
   </p:sldIdLst>
   <p:sldSz cx="12192000" cy="6858000"/>
   <p:notesSz cx="6858000" cy="9144000"/>
@@ -233,7 +232,7 @@
           <a:p>
             <a:fld id="{762B48F5-BACC-47D6-A0F7-82FBF9C6BC85}" type="datetimeFigureOut">
               <a:rPr lang="en-US"/>
-              <a:t>3/13/2021</a:t>
+              <a:t>3/18/2022</a:t>
             </a:fld>
             <a:endParaRPr/>
           </a:p>
@@ -398,7 +397,7 @@
           <a:p>
             <a:fld id="{0CB1CD00-5424-4675-AB18-2C419B060449}" type="datetimeFigureOut">
               <a:rPr lang="en-US"/>
-              <a:t>3/12/2021</a:t>
+              <a:t>3/18/2022</a:t>
             </a:fld>
             <a:endParaRPr/>
           </a:p>
@@ -1043,7 +1042,7 @@
           <a:p>
             <a:fld id="{37CC0096-1860-4642-9CD2-0079EA5E7CD1}" type="datetimeFigureOut">
               <a:rPr lang="en-US" smtClean="0"/>
-              <a:t>3/12/2021</a:t>
+              <a:t>3/18/2022</a:t>
             </a:fld>
             <a:endParaRPr lang="en-US"/>
           </a:p>
@@ -1222,7 +1221,7 @@
           <a:p>
             <a:fld id="{37CC0096-1860-4642-9CD2-0079EA5E7CD1}" type="datetimeFigureOut">
               <a:rPr lang="en-US" smtClean="0"/>
-              <a:t>3/12/2021</a:t>
+              <a:t>3/18/2022</a:t>
             </a:fld>
             <a:endParaRPr lang="en-US"/>
           </a:p>
@@ -1395,7 +1394,7 @@
           <a:p>
             <a:fld id="{37CC0096-1860-4642-9CD2-0079EA5E7CD1}" type="datetimeFigureOut">
               <a:rPr lang="en-US" smtClean="0"/>
-              <a:t>3/12/2021</a:t>
+              <a:t>3/18/2022</a:t>
             </a:fld>
             <a:endParaRPr lang="en-US"/>
           </a:p>
@@ -1828,7 +1827,7 @@
           <a:p>
             <a:fld id="{37CC0096-1860-4642-9CD2-0079EA5E7CD1}" type="datetimeFigureOut">
               <a:rPr lang="en-US" smtClean="0"/>
-              <a:t>3/12/2021</a:t>
+              <a:t>3/18/2022</a:t>
             </a:fld>
             <a:endParaRPr lang="en-US"/>
           </a:p>
@@ -2267,7 +2266,7 @@
           <a:p>
             <a:fld id="{37CC0096-1860-4642-9CD2-0079EA5E7CD1}" type="datetimeFigureOut">
               <a:rPr lang="en-US" smtClean="0"/>
-              <a:t>3/12/2021</a:t>
+              <a:t>3/18/2022</a:t>
             </a:fld>
             <a:endParaRPr lang="en-US"/>
           </a:p>
@@ -2384,7 +2383,7 @@
           <a:p>
             <a:fld id="{37CC0096-1860-4642-9CD2-0079EA5E7CD1}" type="datetimeFigureOut">
               <a:rPr lang="en-US" smtClean="0"/>
-              <a:t>3/12/2021</a:t>
+              <a:t>3/18/2022</a:t>
             </a:fld>
             <a:endParaRPr lang="en-US"/>
           </a:p>
@@ -2479,7 +2478,7 @@
           <a:p>
             <a:fld id="{37CC0096-1860-4642-9CD2-0079EA5E7CD1}" type="datetimeFigureOut">
               <a:rPr lang="en-US" smtClean="0"/>
-              <a:t>3/12/2021</a:t>
+              <a:t>3/18/2022</a:t>
             </a:fld>
             <a:endParaRPr lang="en-US"/>
           </a:p>
@@ -2763,7 +2762,7 @@
           <a:p>
             <a:fld id="{37CC0096-1860-4642-9CD2-0079EA5E7CD1}" type="datetimeFigureOut">
               <a:rPr lang="en-US" smtClean="0"/>
-              <a:t>3/12/2021</a:t>
+              <a:t>3/18/2022</a:t>
             </a:fld>
             <a:endParaRPr lang="en-US"/>
           </a:p>
@@ -3074,7 +3073,7 @@
           <a:p>
             <a:fld id="{37CC0096-1860-4642-9CD2-0079EA5E7CD1}" type="datetimeFigureOut">
               <a:rPr lang="en-US" smtClean="0"/>
-              <a:t>3/12/2021</a:t>
+              <a:t>3/18/2022</a:t>
             </a:fld>
             <a:endParaRPr lang="en-US"/>
           </a:p>
@@ -3306,7 +3305,7 @@
             <a:fld id="{37CC0096-1860-4642-9CD2-0079EA5E7CD1}" type="datetimeFigureOut">
               <a:rPr lang="en-US" smtClean="0"/>
               <a:pPr/>
-              <a:t>3/12/2021</a:t>
+              <a:t>3/18/2022</a:t>
             </a:fld>
             <a:endParaRPr lang="en-US"/>
           </a:p>
@@ -3816,186 +3815,6 @@
           <p:cNvPr id="2" name="Title 1">
             <a:extLst>
               <a:ext uri="{FF2B5EF4-FFF2-40B4-BE49-F238E27FC236}">
-                <a16:creationId xmlns:a16="http://schemas.microsoft.com/office/drawing/2014/main" id="{037C434F-78E8-49C1-AC09-0B2CABEA34BA}"/>
-              </a:ext>
-            </a:extLst>
-          </p:cNvPr>
-          <p:cNvSpPr>
-            <a:spLocks noGrp="1"/>
-          </p:cNvSpPr>
-          <p:nvPr>
-            <p:ph type="title"/>
-          </p:nvPr>
-        </p:nvSpPr>
-        <p:spPr/>
-        <p:txBody>
-          <a:bodyPr/>
-          <a:lstStyle/>
-          <a:p>
-            <a:r>
-              <a:rPr lang="en-AU" dirty="0"/>
-              <a:t>Notes on step function</a:t>
-            </a:r>
-          </a:p>
-        </p:txBody>
-      </p:sp>
-      <p:sp>
-        <p:nvSpPr>
-          <p:cNvPr id="3" name="Content Placeholder 2">
-            <a:extLst>
-              <a:ext uri="{FF2B5EF4-FFF2-40B4-BE49-F238E27FC236}">
-                <a16:creationId xmlns:a16="http://schemas.microsoft.com/office/drawing/2014/main" id="{BA271C65-D345-42D7-9DC8-587C1503FB6A}"/>
-              </a:ext>
-            </a:extLst>
-          </p:cNvPr>
-          <p:cNvSpPr>
-            <a:spLocks noGrp="1"/>
-          </p:cNvSpPr>
-          <p:nvPr>
-            <p:ph idx="1"/>
-          </p:nvPr>
-        </p:nvSpPr>
-        <p:spPr/>
-        <p:txBody>
-          <a:bodyPr/>
-          <a:lstStyle/>
-          <a:p>
-            <a:pPr marL="0" indent="0">
-              <a:buNone/>
-            </a:pPr>
-            <a:r>
-              <a:rPr lang="en-AU" dirty="0"/>
-              <a:t>Obviously this is more accurate at small timesteps (delta t)!</a:t>
-            </a:r>
-          </a:p>
-          <a:p>
-            <a:pPr marL="0" indent="0">
-              <a:buNone/>
-            </a:pPr>
-            <a:r>
-              <a:rPr lang="en-AU" dirty="0"/>
-              <a:t>There are better numerical approximations of derivatives out there, I have used the simplest one. </a:t>
-            </a:r>
-          </a:p>
-          <a:p>
-            <a:pPr marL="0" indent="0">
-              <a:buNone/>
-            </a:pPr>
-            <a:endParaRPr lang="en-AU" dirty="0"/>
-          </a:p>
-        </p:txBody>
-      </p:sp>
-      <p:pic>
-        <p:nvPicPr>
-          <p:cNvPr id="1026" name="Picture 2">
-            <a:extLst>
-              <a:ext uri="{FF2B5EF4-FFF2-40B4-BE49-F238E27FC236}">
-                <a16:creationId xmlns:a16="http://schemas.microsoft.com/office/drawing/2014/main" id="{C6FCDEC5-3B5F-40DA-9E2A-C2CC2344D017}"/>
-              </a:ext>
-            </a:extLst>
-          </p:cNvPr>
-          <p:cNvPicPr>
-            <a:picLocks noChangeAspect="1" noChangeArrowheads="1"/>
-          </p:cNvPicPr>
-          <p:nvPr/>
-        </p:nvPicPr>
-        <p:blipFill>
-          <a:blip r:embed="rId2" cstate="print">
-            <a:extLst>
-              <a:ext uri="{28A0092B-C50C-407E-A947-70E740481C1C}">
-                <a14:useLocalDpi xmlns:a14="http://schemas.microsoft.com/office/drawing/2010/main" val="0"/>
-              </a:ext>
-            </a:extLst>
-          </a:blip>
-          <a:srcRect/>
-          <a:stretch>
-            <a:fillRect/>
-          </a:stretch>
-        </p:blipFill>
-        <p:spPr bwMode="auto">
-          <a:xfrm>
-            <a:off x="3647728" y="3284984"/>
-            <a:ext cx="4896544" cy="3297438"/>
-          </a:xfrm>
-          <a:prstGeom prst="rect">
-            <a:avLst/>
-          </a:prstGeom>
-          <a:solidFill>
-            <a:srgbClr val="FFFFFF">
-              <a:shade val="85000"/>
-            </a:srgbClr>
-          </a:solidFill>
-          <a:ln w="88900" cap="sq">
-            <a:solidFill>
-              <a:srgbClr val="FFFFFF"/>
-            </a:solidFill>
-            <a:miter lim="800000"/>
-          </a:ln>
-          <a:effectLst>
-            <a:outerShdw blurRad="55000" dist="18000" dir="5400000" algn="tl" rotWithShape="0">
-              <a:srgbClr val="000000">
-                <a:alpha val="40000"/>
-              </a:srgbClr>
-            </a:outerShdw>
-          </a:effectLst>
-          <a:scene3d>
-            <a:camera prst="orthographicFront"/>
-            <a:lightRig rig="twoPt" dir="t">
-              <a:rot lat="0" lon="0" rev="7200000"/>
-            </a:lightRig>
-          </a:scene3d>
-          <a:sp3d>
-            <a:bevelT w="25400" h="19050"/>
-            <a:contourClr>
-              <a:srgbClr val="FFFFFF"/>
-            </a:contourClr>
-          </a:sp3d>
-          <a:extLst>
-            <a:ext uri="{909E8E84-426E-40DD-AFC4-6F175D3DCCD1}">
-              <a14:hiddenFill xmlns:a14="http://schemas.microsoft.com/office/drawing/2010/main">
-                <a:solidFill>
-                  <a:srgbClr val="FFFFFF"/>
-                </a:solidFill>
-              </a14:hiddenFill>
-            </a:ext>
-          </a:extLst>
-        </p:spPr>
-      </p:pic>
-    </p:spTree>
-    <p:extLst>
-      <p:ext uri="{BB962C8B-B14F-4D97-AF65-F5344CB8AC3E}">
-        <p14:creationId xmlns:p14="http://schemas.microsoft.com/office/powerpoint/2010/main" val="3413653316"/>
-      </p:ext>
-    </p:extLst>
-  </p:cSld>
-  <p:clrMapOvr>
-    <a:masterClrMapping/>
-  </p:clrMapOvr>
-</p:sld>
-</file>
-
-<file path=ppt/slides/slide11.xml><?xml version="1.0" encoding="utf-8"?>
-<p:sld xmlns:a="http://schemas.openxmlformats.org/drawingml/2006/main" xmlns:r="http://schemas.openxmlformats.org/officeDocument/2006/relationships" xmlns:p="http://schemas.openxmlformats.org/presentationml/2006/main">
-  <p:cSld>
-    <p:spTree>
-      <p:nvGrpSpPr>
-        <p:cNvPr id="1" name=""/>
-        <p:cNvGrpSpPr/>
-        <p:nvPr/>
-      </p:nvGrpSpPr>
-      <p:grpSpPr>
-        <a:xfrm>
-          <a:off x="0" y="0"/>
-          <a:ext cx="0" cy="0"/>
-          <a:chOff x="0" y="0"/>
-          <a:chExt cx="0" cy="0"/>
-        </a:xfrm>
-      </p:grpSpPr>
-      <p:sp>
-        <p:nvSpPr>
-          <p:cNvPr id="2" name="Title 1">
-            <a:extLst>
-              <a:ext uri="{FF2B5EF4-FFF2-40B4-BE49-F238E27FC236}">
                 <a16:creationId xmlns:a16="http://schemas.microsoft.com/office/drawing/2014/main" id="{4C265999-8E46-4340-B310-C11DCA759478}"/>
               </a:ext>
             </a:extLst>
@@ -4007,7 +3826,12 @@
             <p:ph type="title"/>
           </p:nvPr>
         </p:nvSpPr>
-        <p:spPr/>
+        <p:spPr>
+          <a:xfrm>
+            <a:off x="1524000" y="457200"/>
+            <a:ext cx="9144000" cy="642365"/>
+          </a:xfrm>
+        </p:spPr>
         <p:txBody>
           <a:bodyPr/>
           <a:lstStyle/>
@@ -4019,88 +3843,185 @@
           </a:p>
         </p:txBody>
       </p:sp>
-      <p:sp>
-        <p:nvSpPr>
-          <p:cNvPr id="3" name="Content Placeholder 2">
-            <a:extLst>
-              <a:ext uri="{FF2B5EF4-FFF2-40B4-BE49-F238E27FC236}">
-                <a16:creationId xmlns:a16="http://schemas.microsoft.com/office/drawing/2014/main" id="{AB399675-5CF8-48CC-A738-616C1907D32D}"/>
-              </a:ext>
-            </a:extLst>
-          </p:cNvPr>
-          <p:cNvSpPr>
-            <a:spLocks noGrp="1"/>
-          </p:cNvSpPr>
-          <p:nvPr>
-            <p:ph idx="1"/>
-          </p:nvPr>
-        </p:nvSpPr>
-        <p:spPr/>
-        <p:txBody>
-          <a:bodyPr/>
-          <a:lstStyle/>
-          <a:p>
-            <a:pPr marL="0" indent="0">
-              <a:buNone/>
-            </a:pPr>
-            <a:r>
-              <a:rPr lang="en-AU" dirty="0"/>
-              <a:t>Sometimes, a DE can’t be solved by simply iterating one thing after another.</a:t>
-            </a:r>
-          </a:p>
-          <a:p>
-            <a:pPr marL="0" indent="0">
-              <a:buNone/>
-            </a:pPr>
-            <a:endParaRPr lang="en-AU" dirty="0"/>
-          </a:p>
-          <a:p>
-            <a:pPr marL="0" indent="0">
-              <a:buNone/>
-            </a:pPr>
-            <a:r>
-              <a:rPr lang="en-AU" dirty="0"/>
-              <a:t>An example of this is the Poisson equation:</a:t>
-            </a:r>
-          </a:p>
-          <a:p>
-            <a:pPr marL="0" indent="0">
-              <a:buNone/>
-            </a:pPr>
-            <a:endParaRPr lang="en-AU" dirty="0"/>
-          </a:p>
-          <a:p>
-            <a:pPr marL="0" indent="0">
-              <a:buNone/>
-            </a:pPr>
-            <a:r>
-              <a:rPr lang="en-AU" dirty="0"/>
-              <a:t>Which has a 2-D stepping function:</a:t>
-            </a:r>
-          </a:p>
-          <a:p>
-            <a:pPr marL="0" indent="0">
-              <a:buNone/>
-            </a:pPr>
-            <a:endParaRPr lang="en-AU" dirty="0"/>
-          </a:p>
-          <a:p>
-            <a:pPr marL="0" indent="0">
-              <a:buNone/>
-            </a:pPr>
-            <a:endParaRPr lang="en-AU" dirty="0"/>
-          </a:p>
-          <a:p>
-            <a:pPr marL="0" indent="0">
-              <a:buNone/>
-            </a:pPr>
-            <a:r>
-              <a:rPr lang="en-AU" dirty="0"/>
-              <a:t>(See week 5 lecture notes for how this sort of stepping function is derived)</a:t>
-            </a:r>
-          </a:p>
-        </p:txBody>
-      </p:sp>
+      <mc:AlternateContent xmlns:mc="http://schemas.openxmlformats.org/markup-compatibility/2006">
+        <mc:Choice xmlns:a14="http://schemas.microsoft.com/office/drawing/2010/main" Requires="a14">
+          <p:sp>
+            <p:nvSpPr>
+              <p:cNvPr id="3" name="Content Placeholder 2">
+                <a:extLst>
+                  <a:ext uri="{FF2B5EF4-FFF2-40B4-BE49-F238E27FC236}">
+                    <a16:creationId xmlns:a16="http://schemas.microsoft.com/office/drawing/2014/main" id="{AB399675-5CF8-48CC-A738-616C1907D32D}"/>
+                  </a:ext>
+                </a:extLst>
+              </p:cNvPr>
+              <p:cNvSpPr>
+                <a:spLocks noGrp="1"/>
+              </p:cNvSpPr>
+              <p:nvPr>
+                <p:ph idx="1"/>
+              </p:nvPr>
+            </p:nvSpPr>
+            <p:spPr>
+              <a:xfrm>
+                <a:off x="1524000" y="1150194"/>
+                <a:ext cx="9144000" cy="5375149"/>
+              </a:xfrm>
+            </p:spPr>
+            <p:txBody>
+              <a:bodyPr>
+                <a:normAutofit/>
+              </a:bodyPr>
+              <a:lstStyle/>
+              <a:p>
+                <a:pPr marL="0" indent="0">
+                  <a:buNone/>
+                </a:pPr>
+                <a:r>
+                  <a:rPr lang="en-AU" dirty="0"/>
+                  <a:t>Sometimes, a DE can’t be solved by simply iterating one thing after another.</a:t>
+                </a:r>
+              </a:p>
+              <a:p>
+                <a:pPr marL="0" indent="0">
+                  <a:buNone/>
+                </a:pPr>
+                <a:endParaRPr lang="en-AU" dirty="0"/>
+              </a:p>
+              <a:p>
+                <a:pPr marL="0" indent="0">
+                  <a:buNone/>
+                </a:pPr>
+                <a:r>
+                  <a:rPr lang="en-AU" dirty="0"/>
+                  <a:t>An example of this is the Poisson equation:</a:t>
+                </a:r>
+              </a:p>
+              <a:p>
+                <a:pPr marL="0" indent="0">
+                  <a:buNone/>
+                </a:pPr>
+                <a:endParaRPr lang="en-AU" dirty="0"/>
+              </a:p>
+              <a:p>
+                <a:pPr marL="0" indent="0">
+                  <a:buNone/>
+                </a:pPr>
+                <a:endParaRPr lang="en-AU" dirty="0"/>
+              </a:p>
+              <a:p>
+                <a:pPr marL="0" indent="0">
+                  <a:buNone/>
+                </a:pPr>
+                <a:r>
+                  <a:rPr lang="en-AU" dirty="0"/>
+                  <a:t>It can be thought of as a string of electrically charged particles where </a:t>
+                </a:r>
+                <a14:m>
+                  <m:oMath xmlns:m="http://schemas.openxmlformats.org/officeDocument/2006/math">
+                    <m:r>
+                      <a:rPr lang="en-US" b="0" i="1" smtClean="0">
+                        <a:latin typeface="Cambria Math" panose="02040503050406030204" pitchFamily="18" charset="0"/>
+                      </a:rPr>
+                      <m:t>𝜌</m:t>
+                    </m:r>
+                  </m:oMath>
+                </a14:m>
+                <a:r>
+                  <a:rPr lang="en-AU" dirty="0"/>
+                  <a:t> is the charge distribution and </a:t>
+                </a:r>
+                <a14:m>
+                  <m:oMath xmlns:m="http://schemas.openxmlformats.org/officeDocument/2006/math">
+                    <m:r>
+                      <a:rPr lang="en-US" b="0" i="1" smtClean="0">
+                        <a:latin typeface="Cambria Math" panose="02040503050406030204" pitchFamily="18" charset="0"/>
+                      </a:rPr>
+                      <m:t>𝑉</m:t>
+                    </m:r>
+                  </m:oMath>
+                </a14:m>
+                <a:r>
+                  <a:rPr lang="en-AU" dirty="0"/>
+                  <a:t> are the voltages.</a:t>
+                </a:r>
+              </a:p>
+              <a:p>
+                <a:pPr marL="0" indent="0">
+                  <a:buNone/>
+                </a:pPr>
+                <a:r>
+                  <a:rPr lang="en-AU" dirty="0"/>
+                  <a:t>Which has a 2-D stepping function:</a:t>
+                </a:r>
+              </a:p>
+              <a:p>
+                <a:pPr marL="0" indent="0">
+                  <a:buNone/>
+                </a:pPr>
+                <a:endParaRPr lang="en-AU" dirty="0"/>
+              </a:p>
+              <a:p>
+                <a:pPr marL="0" indent="0">
+                  <a:buNone/>
+                </a:pPr>
+                <a:endParaRPr lang="en-AU" dirty="0"/>
+              </a:p>
+              <a:p>
+                <a:pPr marL="0" indent="0">
+                  <a:buNone/>
+                </a:pPr>
+                <a:r>
+                  <a:rPr lang="en-AU" dirty="0"/>
+                  <a:t>(See lecture notes for how this sort of stepping function is derived)</a:t>
+                </a:r>
+              </a:p>
+            </p:txBody>
+          </p:sp>
+        </mc:Choice>
+        <mc:Fallback>
+          <p:sp>
+            <p:nvSpPr>
+              <p:cNvPr id="3" name="Content Placeholder 2">
+                <a:extLst>
+                  <a:ext uri="{FF2B5EF4-FFF2-40B4-BE49-F238E27FC236}">
+                    <a16:creationId xmlns:a16="http://schemas.microsoft.com/office/drawing/2014/main" id="{AB399675-5CF8-48CC-A738-616C1907D32D}"/>
+                  </a:ext>
+                </a:extLst>
+              </p:cNvPr>
+              <p:cNvSpPr>
+                <a:spLocks noGrp="1" noRot="1" noChangeAspect="1" noMove="1" noResize="1" noEditPoints="1" noAdjustHandles="1" noChangeArrowheads="1" noChangeShapeType="1" noTextEdit="1"/>
+              </p:cNvSpPr>
+              <p:nvPr>
+                <p:ph idx="1"/>
+              </p:nvPr>
+            </p:nvSpPr>
+            <p:spPr>
+              <a:xfrm>
+                <a:off x="1524000" y="1150194"/>
+                <a:ext cx="9144000" cy="5375149"/>
+              </a:xfrm>
+              <a:blipFill>
+                <a:blip r:embed="rId2"/>
+                <a:stretch>
+                  <a:fillRect l="-667" t="-1249"/>
+                </a:stretch>
+              </a:blipFill>
+            </p:spPr>
+            <p:txBody>
+              <a:bodyPr/>
+              <a:lstStyle/>
+              <a:p>
+                <a:r>
+                  <a:rPr lang="en-AU">
+                    <a:noFill/>
+                  </a:rPr>
+                  <a:t> </a:t>
+                </a:r>
+              </a:p>
+            </p:txBody>
+          </p:sp>
+        </mc:Fallback>
+      </mc:AlternateContent>
       <p:pic>
         <p:nvPicPr>
           <p:cNvPr id="5" name="Picture 4">
@@ -4116,14 +4037,14 @@
           <p:nvPr/>
         </p:nvPicPr>
         <p:blipFill>
-          <a:blip r:embed="rId2"/>
+          <a:blip r:embed="rId3"/>
           <a:stretch>
             <a:fillRect/>
           </a:stretch>
         </p:blipFill>
         <p:spPr>
           <a:xfrm>
-            <a:off x="7536160" y="2564904"/>
+            <a:off x="893676" y="2612830"/>
             <a:ext cx="1944216" cy="964630"/>
           </a:xfrm>
           <a:prstGeom prst="rect">
@@ -4236,15 +4157,44 @@
           <p:nvPr/>
         </p:nvPicPr>
         <p:blipFill>
-          <a:blip r:embed="rId3"/>
+          <a:blip r:embed="rId4"/>
           <a:stretch>
             <a:fillRect/>
           </a:stretch>
         </p:blipFill>
         <p:spPr>
           <a:xfrm>
-            <a:off x="1147762" y="4331754"/>
+            <a:off x="1147762" y="4843239"/>
             <a:ext cx="9591675" cy="962025"/>
+          </a:xfrm>
+          <a:prstGeom prst="rect">
+            <a:avLst/>
+          </a:prstGeom>
+        </p:spPr>
+      </p:pic>
+      <p:pic>
+        <p:nvPicPr>
+          <p:cNvPr id="9" name="Picture 8">
+            <a:extLst>
+              <a:ext uri="{FF2B5EF4-FFF2-40B4-BE49-F238E27FC236}">
+                <a16:creationId xmlns:a16="http://schemas.microsoft.com/office/drawing/2014/main" id="{BDB8D6FA-E430-4084-8ED4-080273B99D81}"/>
+              </a:ext>
+            </a:extLst>
+          </p:cNvPr>
+          <p:cNvPicPr>
+            <a:picLocks noChangeAspect="1"/>
+          </p:cNvPicPr>
+          <p:nvPr/>
+        </p:nvPicPr>
+        <p:blipFill rotWithShape="1">
+          <a:blip r:embed="rId5"/>
+          <a:srcRect l="4167" r="4080" b="37188"/>
+          <a:stretch/>
+        </p:blipFill>
+        <p:spPr>
+          <a:xfrm>
+            <a:off x="3143672" y="2615434"/>
+            <a:ext cx="8746877" cy="962026"/>
           </a:xfrm>
           <a:prstGeom prst="rect">
             <a:avLst/>
@@ -4264,7 +4214,7 @@
 </p:sld>
 </file>
 
-<file path=ppt/slides/slide12.xml><?xml version="1.0" encoding="utf-8"?>
+<file path=ppt/slides/slide11.xml><?xml version="1.0" encoding="utf-8"?>
 <p:sld xmlns:a="http://schemas.openxmlformats.org/drawingml/2006/main" xmlns:r="http://schemas.openxmlformats.org/officeDocument/2006/relationships" xmlns:p="http://schemas.openxmlformats.org/presentationml/2006/main">
   <p:cSld>
     <p:spTree>
@@ -4380,7 +4330,7 @@
             </a:pPr>
             <a:r>
               <a:rPr lang="en-AU" dirty="0"/>
-              <a:t>(Again, refer to week 5 lectures; these are just screenshots!)</a:t>
+              <a:t>(Again, refer to lectures; these are just screenshots!)</a:t>
             </a:r>
           </a:p>
           <a:p>
@@ -4619,7 +4569,7 @@
 </p:sld>
 </file>
 
-<file path=ppt/slides/slide13.xml><?xml version="1.0" encoding="utf-8"?>
+<file path=ppt/slides/slide12.xml><?xml version="1.0" encoding="utf-8"?>
 <p:sld xmlns:a="http://schemas.openxmlformats.org/drawingml/2006/main" xmlns:r="http://schemas.openxmlformats.org/officeDocument/2006/relationships" xmlns:p="http://schemas.openxmlformats.org/presentationml/2006/main">
   <p:cSld>
     <p:spTree>
@@ -4755,7 +4705,7 @@
 </p:sld>
 </file>
 
-<file path=ppt/slides/slide14.xml><?xml version="1.0" encoding="utf-8"?>
+<file path=ppt/slides/slide13.xml><?xml version="1.0" encoding="utf-8"?>
 <p:sld xmlns:a="http://schemas.openxmlformats.org/drawingml/2006/main" xmlns:r="http://schemas.openxmlformats.org/officeDocument/2006/relationships" xmlns:p="http://schemas.openxmlformats.org/presentationml/2006/main">
   <p:cSld>
     <p:spTree>
@@ -4800,102 +4750,361 @@
           </a:p>
         </p:txBody>
       </p:sp>
-      <p:sp>
-        <p:nvSpPr>
-          <p:cNvPr id="3" name="Content Placeholder 2">
-            <a:extLst>
-              <a:ext uri="{FF2B5EF4-FFF2-40B4-BE49-F238E27FC236}">
-                <a16:creationId xmlns:a16="http://schemas.microsoft.com/office/drawing/2014/main" id="{EF0EE80F-5701-4691-AB22-D67B518D074C}"/>
-              </a:ext>
-            </a:extLst>
-          </p:cNvPr>
-          <p:cNvSpPr>
-            <a:spLocks noGrp="1"/>
-          </p:cNvSpPr>
-          <p:nvPr>
-            <p:ph idx="1"/>
-          </p:nvPr>
-        </p:nvSpPr>
-        <p:spPr/>
-        <p:txBody>
-          <a:bodyPr/>
-          <a:lstStyle/>
-          <a:p>
-            <a:pPr marL="0" indent="0">
-              <a:buNone/>
-            </a:pPr>
-            <a:r>
-              <a:rPr lang="en-AU" dirty="0"/>
-              <a:t>Matrix inversion is pretty easy. </a:t>
-            </a:r>
-          </a:p>
-          <a:p>
-            <a:pPr marL="0" indent="0">
-              <a:buNone/>
-            </a:pPr>
-            <a:br>
-              <a:rPr lang="en-AU" dirty="0"/>
-            </a:br>
-            <a:r>
-              <a:rPr lang="en-AU" dirty="0"/>
-              <a:t>If you have your Poisson matrix (A) and your rho-vector (B), then the voltages (V) at each point are the solution to the equation AV = B.</a:t>
-            </a:r>
-          </a:p>
-          <a:p>
-            <a:pPr marL="0" indent="0">
-              <a:buNone/>
-            </a:pPr>
-            <a:endParaRPr lang="en-AU" dirty="0"/>
-          </a:p>
-          <a:p>
-            <a:pPr marL="0" indent="0">
-              <a:buNone/>
-            </a:pPr>
-            <a:r>
-              <a:rPr lang="en-AU" dirty="0"/>
-              <a:t>This can be </a:t>
-            </a:r>
-            <a:r>
-              <a:rPr lang="en-AU" b="1" dirty="0"/>
-              <a:t>easily</a:t>
-            </a:r>
-            <a:r>
-              <a:rPr lang="en-AU" dirty="0"/>
-              <a:t> solved using </a:t>
-            </a:r>
-            <a:r>
-              <a:rPr lang="en-AU" dirty="0" err="1"/>
-              <a:t>numpy’s</a:t>
-            </a:r>
-            <a:r>
-              <a:rPr lang="en-AU" dirty="0"/>
-              <a:t> </a:t>
-            </a:r>
-            <a:r>
-              <a:rPr lang="en-AU" dirty="0" err="1"/>
-              <a:t>linalg</a:t>
-            </a:r>
-            <a:r>
-              <a:rPr lang="en-AU" dirty="0"/>
-              <a:t> solver; </a:t>
-            </a:r>
-            <a:r>
-              <a:rPr lang="en-AU" dirty="0" err="1"/>
-              <a:t>numpy.linalg.solve</a:t>
-            </a:r>
-            <a:r>
-              <a:rPr lang="en-AU" dirty="0"/>
-              <a:t>(A,B) will return V.</a:t>
-            </a:r>
-          </a:p>
-          <a:p>
-            <a:pPr marL="0" indent="0">
-              <a:buNone/>
-            </a:pPr>
-            <a:endParaRPr lang="en-AU" dirty="0"/>
-          </a:p>
-        </p:txBody>
-      </p:sp>
+      <mc:AlternateContent xmlns:mc="http://schemas.openxmlformats.org/markup-compatibility/2006">
+        <mc:Choice xmlns:a14="http://schemas.microsoft.com/office/drawing/2010/main" Requires="a14">
+          <p:sp>
+            <p:nvSpPr>
+              <p:cNvPr id="3" name="Content Placeholder 2">
+                <a:extLst>
+                  <a:ext uri="{FF2B5EF4-FFF2-40B4-BE49-F238E27FC236}">
+                    <a16:creationId xmlns:a16="http://schemas.microsoft.com/office/drawing/2014/main" id="{EF0EE80F-5701-4691-AB22-D67B518D074C}"/>
+                  </a:ext>
+                </a:extLst>
+              </p:cNvPr>
+              <p:cNvSpPr>
+                <a:spLocks noGrp="1"/>
+              </p:cNvSpPr>
+              <p:nvPr>
+                <p:ph idx="1"/>
+              </p:nvPr>
+            </p:nvSpPr>
+            <p:spPr/>
+            <p:txBody>
+              <a:bodyPr>
+                <a:normAutofit/>
+              </a:bodyPr>
+              <a:lstStyle/>
+              <a:p>
+                <a:pPr marL="0" indent="0">
+                  <a:buNone/>
+                </a:pPr>
+                <a:endParaRPr lang="en-AU" dirty="0"/>
+              </a:p>
+              <a:p>
+                <a:pPr marL="0" indent="0">
+                  <a:buNone/>
+                </a:pPr>
+                <a:r>
+                  <a:rPr lang="en-AU" dirty="0"/>
+                  <a:t>If you have your Poisson matrix (A) and your rho-vector (B), then the voltages (V) at each point are the solution to the equation AV = B.</a:t>
+                </a:r>
+              </a:p>
+              <a:p>
+                <a:pPr marL="0" indent="0">
+                  <a:buNone/>
+                </a:pPr>
+                <a14:m>
+                  <m:oMathPara xmlns:m="http://schemas.openxmlformats.org/officeDocument/2006/math">
+                    <m:oMathParaPr>
+                      <m:jc m:val="centerGroup"/>
+                    </m:oMathParaPr>
+                    <m:oMath xmlns:m="http://schemas.openxmlformats.org/officeDocument/2006/math">
+                      <m:r>
+                        <a:rPr lang="en-US" b="0" i="1" smtClean="0">
+                          <a:latin typeface="Cambria Math" panose="02040503050406030204" pitchFamily="18" charset="0"/>
+                        </a:rPr>
+                        <m:t>𝐴𝑉</m:t>
+                      </m:r>
+                      <m:r>
+                        <m:rPr>
+                          <m:aln/>
+                        </m:rPr>
+                        <a:rPr lang="en-US" b="0" i="1" smtClean="0">
+                          <a:latin typeface="Cambria Math" panose="02040503050406030204" pitchFamily="18" charset="0"/>
+                        </a:rPr>
+                        <m:t>=</m:t>
+                      </m:r>
+                      <m:r>
+                        <a:rPr lang="en-US" b="0" i="1" smtClean="0">
+                          <a:latin typeface="Cambria Math" panose="02040503050406030204" pitchFamily="18" charset="0"/>
+                        </a:rPr>
+                        <m:t>𝐵</m:t>
+                      </m:r>
+                    </m:oMath>
+                    <m:oMath xmlns:m="http://schemas.openxmlformats.org/officeDocument/2006/math">
+                      <m:sSup>
+                        <m:sSupPr>
+                          <m:ctrlPr>
+                            <a:rPr lang="en-US" i="1">
+                              <a:latin typeface="Cambria Math" panose="02040503050406030204" pitchFamily="18" charset="0"/>
+                            </a:rPr>
+                          </m:ctrlPr>
+                        </m:sSupPr>
+                        <m:e>
+                          <m:r>
+                            <a:rPr lang="en-US" i="1">
+                              <a:latin typeface="Cambria Math" panose="02040503050406030204" pitchFamily="18" charset="0"/>
+                            </a:rPr>
+                            <m:t>𝐴</m:t>
+                          </m:r>
+                        </m:e>
+                        <m:sup>
+                          <m:r>
+                            <a:rPr lang="en-US" i="1">
+                              <a:latin typeface="Cambria Math" panose="02040503050406030204" pitchFamily="18" charset="0"/>
+                            </a:rPr>
+                            <m:t>−1</m:t>
+                          </m:r>
+                        </m:sup>
+                      </m:sSup>
+                      <m:r>
+                        <m:rPr>
+                          <m:sty m:val="p"/>
+                        </m:rPr>
+                        <a:rPr lang="en-US" b="0" i="0" smtClean="0">
+                          <a:latin typeface="Cambria Math" panose="02040503050406030204" pitchFamily="18" charset="0"/>
+                        </a:rPr>
+                        <m:t>A</m:t>
+                      </m:r>
+                      <m:r>
+                        <m:rPr>
+                          <m:sty m:val="p"/>
+                        </m:rPr>
+                        <a:rPr lang="en-US" b="0" i="0" smtClean="0">
+                          <a:latin typeface="Cambria Math" panose="02040503050406030204" pitchFamily="18" charset="0"/>
+                        </a:rPr>
+                        <m:t>V</m:t>
+                      </m:r>
+                      <m:r>
+                        <m:rPr>
+                          <m:aln/>
+                        </m:rPr>
+                        <a:rPr lang="en-US" b="0" i="1" smtClean="0">
+                          <a:latin typeface="Cambria Math" panose="02040503050406030204" pitchFamily="18" charset="0"/>
+                        </a:rPr>
+                        <m:t>=</m:t>
+                      </m:r>
+                      <m:sSup>
+                        <m:sSupPr>
+                          <m:ctrlPr>
+                            <a:rPr lang="en-US" i="1">
+                              <a:latin typeface="Cambria Math" panose="02040503050406030204" pitchFamily="18" charset="0"/>
+                            </a:rPr>
+                          </m:ctrlPr>
+                        </m:sSupPr>
+                        <m:e>
+                          <m:r>
+                            <a:rPr lang="en-US" i="1">
+                              <a:latin typeface="Cambria Math" panose="02040503050406030204" pitchFamily="18" charset="0"/>
+                            </a:rPr>
+                            <m:t>𝐴</m:t>
+                          </m:r>
+                        </m:e>
+                        <m:sup>
+                          <m:r>
+                            <a:rPr lang="en-US" i="1">
+                              <a:latin typeface="Cambria Math" panose="02040503050406030204" pitchFamily="18" charset="0"/>
+                            </a:rPr>
+                            <m:t>−1</m:t>
+                          </m:r>
+                        </m:sup>
+                      </m:sSup>
+                      <m:r>
+                        <a:rPr lang="en-US" b="0" i="1" smtClean="0">
+                          <a:latin typeface="Cambria Math" panose="02040503050406030204" pitchFamily="18" charset="0"/>
+                        </a:rPr>
+                        <m:t>𝐵</m:t>
+                      </m:r>
+                    </m:oMath>
+                    <m:oMath xmlns:m="http://schemas.openxmlformats.org/officeDocument/2006/math">
+                      <m:r>
+                        <m:rPr>
+                          <m:sty m:val="p"/>
+                        </m:rPr>
+                        <a:rPr lang="en-US" b="0" i="0" smtClean="0">
+                          <a:latin typeface="Cambria Math" panose="02040503050406030204" pitchFamily="18" charset="0"/>
+                        </a:rPr>
+                        <m:t>IV</m:t>
+                      </m:r>
+                      <m:r>
+                        <m:rPr>
+                          <m:aln/>
+                        </m:rPr>
+                        <a:rPr lang="en-US" b="0" i="1" smtClean="0">
+                          <a:latin typeface="Cambria Math" panose="02040503050406030204" pitchFamily="18" charset="0"/>
+                        </a:rPr>
+                        <m:t>=</m:t>
+                      </m:r>
+                      <m:sSup>
+                        <m:sSupPr>
+                          <m:ctrlPr>
+                            <a:rPr lang="en-US" i="1">
+                              <a:latin typeface="Cambria Math" panose="02040503050406030204" pitchFamily="18" charset="0"/>
+                            </a:rPr>
+                          </m:ctrlPr>
+                        </m:sSupPr>
+                        <m:e>
+                          <m:r>
+                            <a:rPr lang="en-US" i="1">
+                              <a:latin typeface="Cambria Math" panose="02040503050406030204" pitchFamily="18" charset="0"/>
+                            </a:rPr>
+                            <m:t>𝐴</m:t>
+                          </m:r>
+                        </m:e>
+                        <m:sup>
+                          <m:r>
+                            <a:rPr lang="en-US" i="1">
+                              <a:latin typeface="Cambria Math" panose="02040503050406030204" pitchFamily="18" charset="0"/>
+                            </a:rPr>
+                            <m:t>−1</m:t>
+                          </m:r>
+                        </m:sup>
+                      </m:sSup>
+                      <m:r>
+                        <a:rPr lang="en-US" i="1">
+                          <a:latin typeface="Cambria Math" panose="02040503050406030204" pitchFamily="18" charset="0"/>
+                        </a:rPr>
+                        <m:t>𝐵</m:t>
+                      </m:r>
+                    </m:oMath>
+                    <m:oMath xmlns:m="http://schemas.openxmlformats.org/officeDocument/2006/math">
+                      <m:r>
+                        <m:rPr>
+                          <m:sty m:val="p"/>
+                        </m:rPr>
+                        <a:rPr lang="en-US" b="0" i="0" smtClean="0">
+                          <a:latin typeface="Cambria Math" panose="02040503050406030204" pitchFamily="18" charset="0"/>
+                        </a:rPr>
+                        <m:t>V</m:t>
+                      </m:r>
+                      <m:r>
+                        <m:rPr>
+                          <m:aln/>
+                        </m:rPr>
+                        <a:rPr lang="en-US" b="0" i="1" smtClean="0">
+                          <a:latin typeface="Cambria Math" panose="02040503050406030204" pitchFamily="18" charset="0"/>
+                        </a:rPr>
+                        <m:t>=</m:t>
+                      </m:r>
+                      <m:sSup>
+                        <m:sSupPr>
+                          <m:ctrlPr>
+                            <a:rPr lang="en-US" i="1">
+                              <a:latin typeface="Cambria Math" panose="02040503050406030204" pitchFamily="18" charset="0"/>
+                            </a:rPr>
+                          </m:ctrlPr>
+                        </m:sSupPr>
+                        <m:e>
+                          <m:r>
+                            <a:rPr lang="en-US" i="1">
+                              <a:latin typeface="Cambria Math" panose="02040503050406030204" pitchFamily="18" charset="0"/>
+                            </a:rPr>
+                            <m:t>𝐴</m:t>
+                          </m:r>
+                        </m:e>
+                        <m:sup>
+                          <m:r>
+                            <a:rPr lang="en-US" i="1">
+                              <a:latin typeface="Cambria Math" panose="02040503050406030204" pitchFamily="18" charset="0"/>
+                            </a:rPr>
+                            <m:t>−1</m:t>
+                          </m:r>
+                        </m:sup>
+                      </m:sSup>
+                      <m:r>
+                        <a:rPr lang="en-US" i="1">
+                          <a:latin typeface="Cambria Math" panose="02040503050406030204" pitchFamily="18" charset="0"/>
+                        </a:rPr>
+                        <m:t>𝐵</m:t>
+                      </m:r>
+                    </m:oMath>
+                  </m:oMathPara>
+                </a14:m>
+                <a:br>
+                  <a:rPr lang="en-US" dirty="0"/>
+                </a:br>
+                <a:endParaRPr lang="en-US" dirty="0"/>
+              </a:p>
+              <a:p>
+                <a:pPr marL="0" indent="0">
+                  <a:buNone/>
+                </a:pPr>
+                <a:endParaRPr lang="en-AU" dirty="0"/>
+              </a:p>
+              <a:p>
+                <a:pPr marL="0" indent="0">
+                  <a:buNone/>
+                </a:pPr>
+                <a:r>
+                  <a:rPr lang="en-AU" dirty="0"/>
+                  <a:t>This can be </a:t>
+                </a:r>
+                <a:r>
+                  <a:rPr lang="en-AU" b="1" dirty="0"/>
+                  <a:t>easily</a:t>
+                </a:r>
+                <a:r>
+                  <a:rPr lang="en-AU" dirty="0"/>
+                  <a:t> solved using </a:t>
+                </a:r>
+                <a:r>
+                  <a:rPr lang="en-AU" dirty="0" err="1"/>
+                  <a:t>numpy’s</a:t>
+                </a:r>
+                <a:r>
+                  <a:rPr lang="en-AU" dirty="0"/>
+                  <a:t> </a:t>
+                </a:r>
+                <a:r>
+                  <a:rPr lang="en-AU" dirty="0" err="1"/>
+                  <a:t>linalg</a:t>
+                </a:r>
+                <a:r>
+                  <a:rPr lang="en-AU" dirty="0"/>
+                  <a:t> solver; </a:t>
+                </a:r>
+                <a:r>
+                  <a:rPr lang="en-AU" dirty="0" err="1"/>
+                  <a:t>numpy.linalg.solve</a:t>
+                </a:r>
+                <a:r>
+                  <a:rPr lang="en-AU" dirty="0"/>
+                  <a:t>(A,B) will return V.</a:t>
+                </a:r>
+              </a:p>
+            </p:txBody>
+          </p:sp>
+        </mc:Choice>
+        <mc:Fallback>
+          <p:sp>
+            <p:nvSpPr>
+              <p:cNvPr id="3" name="Content Placeholder 2">
+                <a:extLst>
+                  <a:ext uri="{FF2B5EF4-FFF2-40B4-BE49-F238E27FC236}">
+                    <a16:creationId xmlns:a16="http://schemas.microsoft.com/office/drawing/2014/main" id="{EF0EE80F-5701-4691-AB22-D67B518D074C}"/>
+                  </a:ext>
+                </a:extLst>
+              </p:cNvPr>
+              <p:cNvSpPr>
+                <a:spLocks noGrp="1" noRot="1" noChangeAspect="1" noMove="1" noResize="1" noEditPoints="1" noAdjustHandles="1" noChangeArrowheads="1" noChangeShapeType="1" noTextEdit="1"/>
+              </p:cNvSpPr>
+              <p:nvPr>
+                <p:ph idx="1"/>
+              </p:nvPr>
+            </p:nvSpPr>
+            <p:spPr>
+              <a:blipFill>
+                <a:blip r:embed="rId2"/>
+                <a:stretch>
+                  <a:fillRect l="-667" r="-1200"/>
+                </a:stretch>
+              </a:blipFill>
+            </p:spPr>
+            <p:txBody>
+              <a:bodyPr/>
+              <a:lstStyle/>
+              <a:p>
+                <a:r>
+                  <a:rPr lang="en-AU">
+                    <a:noFill/>
+                  </a:rPr>
+                  <a:t> </a:t>
+                </a:r>
+              </a:p>
+            </p:txBody>
+          </p:sp>
+        </mc:Fallback>
+      </mc:AlternateContent>
     </p:spTree>
     <p:extLst>
       <p:ext uri="{BB962C8B-B14F-4D97-AF65-F5344CB8AC3E}">
@@ -4909,7 +5118,7 @@
 </p:sld>
 </file>
 
-<file path=ppt/slides/slide15.xml><?xml version="1.0" encoding="utf-8"?>
+<file path=ppt/slides/slide14.xml><?xml version="1.0" encoding="utf-8"?>
 <p:sld xmlns:a="http://schemas.openxmlformats.org/drawingml/2006/main" xmlns:r="http://schemas.openxmlformats.org/officeDocument/2006/relationships" xmlns:p="http://schemas.openxmlformats.org/presentationml/2006/main">
   <p:cSld>
     <p:spTree>
@@ -5093,7 +5302,7 @@
 </p:sld>
 </file>
 
-<file path=ppt/slides/slide16.xml><?xml version="1.0" encoding="utf-8"?>
+<file path=ppt/slides/slide15.xml><?xml version="1.0" encoding="utf-8"?>
 <p:sld xmlns:a="http://schemas.openxmlformats.org/drawingml/2006/main" xmlns:r="http://schemas.openxmlformats.org/officeDocument/2006/relationships" xmlns:p="http://schemas.openxmlformats.org/presentationml/2006/main">
   <p:cSld>
     <p:spTree>
@@ -5263,7 +5472,7 @@
 </p:sld>
 </file>
 
-<file path=ppt/slides/slide17.xml><?xml version="1.0" encoding="utf-8"?>
+<file path=ppt/slides/slide16.xml><?xml version="1.0" encoding="utf-8"?>
 <p:sld xmlns:a="http://schemas.openxmlformats.org/drawingml/2006/main" xmlns:r="http://schemas.openxmlformats.org/officeDocument/2006/relationships" xmlns:p="http://schemas.openxmlformats.org/presentationml/2006/main">
   <p:cSld>
     <p:spTree>
@@ -5501,7 +5710,7 @@
 </p:sld>
 </file>
 
-<file path=ppt/slides/slide18.xml><?xml version="1.0" encoding="utf-8"?>
+<file path=ppt/slides/slide17.xml><?xml version="1.0" encoding="utf-8"?>
 <p:sld xmlns:a="http://schemas.openxmlformats.org/drawingml/2006/main" xmlns:r="http://schemas.openxmlformats.org/officeDocument/2006/relationships" xmlns:p="http://schemas.openxmlformats.org/presentationml/2006/main">
   <p:cSld>
     <p:spTree>
@@ -5591,7 +5800,7 @@
 </p:sld>
 </file>
 
-<file path=ppt/slides/slide19.xml><?xml version="1.0" encoding="utf-8"?>
+<file path=ppt/slides/slide18.xml><?xml version="1.0" encoding="utf-8"?>
 <p:sld xmlns:a="http://schemas.openxmlformats.org/drawingml/2006/main" xmlns:r="http://schemas.openxmlformats.org/officeDocument/2006/relationships" xmlns:p="http://schemas.openxmlformats.org/presentationml/2006/main">
   <p:cSld>
     <p:spTree>
@@ -5689,6 +5898,113 @@
     <p:extLst>
       <p:ext uri="{BB962C8B-B14F-4D97-AF65-F5344CB8AC3E}">
         <p14:creationId xmlns:p14="http://schemas.microsoft.com/office/powerpoint/2010/main" val="2059136391"/>
+      </p:ext>
+    </p:extLst>
+  </p:cSld>
+  <p:clrMapOvr>
+    <a:masterClrMapping/>
+  </p:clrMapOvr>
+</p:sld>
+</file>
+
+<file path=ppt/slides/slide19.xml><?xml version="1.0" encoding="utf-8"?>
+<p:sld xmlns:a="http://schemas.openxmlformats.org/drawingml/2006/main" xmlns:r="http://schemas.openxmlformats.org/officeDocument/2006/relationships" xmlns:p="http://schemas.openxmlformats.org/presentationml/2006/main">
+  <p:cSld>
+    <p:spTree>
+      <p:nvGrpSpPr>
+        <p:cNvPr id="1" name=""/>
+        <p:cNvGrpSpPr/>
+        <p:nvPr/>
+      </p:nvGrpSpPr>
+      <p:grpSpPr>
+        <a:xfrm>
+          <a:off x="0" y="0"/>
+          <a:ext cx="0" cy="0"/>
+          <a:chOff x="0" y="0"/>
+          <a:chExt cx="0" cy="0"/>
+        </a:xfrm>
+      </p:grpSpPr>
+      <p:sp>
+        <p:nvSpPr>
+          <p:cNvPr id="2" name="Title 1">
+            <a:extLst>
+              <a:ext uri="{FF2B5EF4-FFF2-40B4-BE49-F238E27FC236}">
+                <a16:creationId xmlns:a16="http://schemas.microsoft.com/office/drawing/2014/main" id="{25C71CB6-CE1E-482C-AE44-2882B05197F5}"/>
+              </a:ext>
+            </a:extLst>
+          </p:cNvPr>
+          <p:cNvSpPr>
+            <a:spLocks noGrp="1"/>
+          </p:cNvSpPr>
+          <p:nvPr>
+            <p:ph type="title"/>
+          </p:nvPr>
+        </p:nvSpPr>
+        <p:spPr/>
+        <p:txBody>
+          <a:bodyPr/>
+          <a:lstStyle/>
+          <a:p>
+            <a:r>
+              <a:rPr lang="en-AU" dirty="0"/>
+              <a:t>Further steps</a:t>
+            </a:r>
+          </a:p>
+        </p:txBody>
+      </p:sp>
+      <p:sp>
+        <p:nvSpPr>
+          <p:cNvPr id="3" name="Content Placeholder 2">
+            <a:extLst>
+              <a:ext uri="{FF2B5EF4-FFF2-40B4-BE49-F238E27FC236}">
+                <a16:creationId xmlns:a16="http://schemas.microsoft.com/office/drawing/2014/main" id="{E0ECD7E8-EB9B-494C-B464-F41DF56DE638}"/>
+              </a:ext>
+            </a:extLst>
+          </p:cNvPr>
+          <p:cNvSpPr>
+            <a:spLocks noGrp="1"/>
+          </p:cNvSpPr>
+          <p:nvPr>
+            <p:ph idx="1"/>
+          </p:nvPr>
+        </p:nvSpPr>
+        <p:spPr/>
+        <p:txBody>
+          <a:bodyPr/>
+          <a:lstStyle/>
+          <a:p>
+            <a:r>
+              <a:rPr lang="en-AU" dirty="0"/>
+              <a:t>So far this is still only 1D</a:t>
+            </a:r>
+          </a:p>
+          <a:p>
+            <a:r>
+              <a:rPr lang="en-AU" dirty="0"/>
+              <a:t>We have fixed our Step size (a) to be constant for all positions in our mesh</a:t>
+            </a:r>
+          </a:p>
+          <a:p>
+            <a:r>
+              <a:rPr lang="en-AU" dirty="0"/>
+              <a:t>It is time constant</a:t>
+            </a:r>
+          </a:p>
+          <a:p>
+            <a:r>
+              <a:rPr lang="en-AU" dirty="0"/>
+              <a:t>Other questions / comments? Please let me know! There is a lot of ground that can be covered and I’m unsure as to what you would like.</a:t>
+            </a:r>
+          </a:p>
+          <a:p>
+            <a:endParaRPr lang="en-AU" dirty="0"/>
+          </a:p>
+        </p:txBody>
+      </p:sp>
+    </p:spTree>
+    <p:extLst>
+      <p:ext uri="{BB962C8B-B14F-4D97-AF65-F5344CB8AC3E}">
+        <p14:creationId xmlns:p14="http://schemas.microsoft.com/office/powerpoint/2010/main" val="4208693591"/>
       </p:ext>
     </p:extLst>
   </p:cSld>
@@ -5761,13 +6077,29 @@
         </p:nvSpPr>
         <p:spPr>
           <a:xfrm>
-            <a:off x="983432" y="2492896"/>
+            <a:off x="551384" y="1998865"/>
             <a:ext cx="4355976" cy="2316966"/>
           </a:xfrm>
         </p:spPr>
         <p:txBody>
-          <a:bodyPr/>
+          <a:bodyPr>
+            <a:normAutofit/>
+          </a:bodyPr>
           <a:lstStyle/>
+          <a:p>
+            <a:pPr marL="0" indent="0" algn="ctr">
+              <a:buNone/>
+            </a:pPr>
+            <a:r>
+              <a:rPr lang="en-AU" dirty="0">
+                <a:solidFill>
+                  <a:srgbClr val="92D050"/>
+                </a:solidFill>
+              </a:rPr>
+              <a:t>Beginner Level</a:t>
+            </a:r>
+            <a:endParaRPr lang="en-AU" dirty="0"/>
+          </a:p>
           <a:p>
             <a:pPr marL="457200" indent="-457200">
               <a:buFont typeface="+mj-lt"/>
@@ -5806,7 +6138,7 @@
         </p:nvSpPr>
         <p:spPr>
           <a:xfrm>
-            <a:off x="6240016" y="2487655"/>
+            <a:off x="6888088" y="1998865"/>
             <a:ext cx="4355976" cy="2160240"/>
           </a:xfrm>
           <a:prstGeom prst="rect">
@@ -6019,133 +6351,9 @@
             </a:lvl9pPr>
           </a:lstStyle>
           <a:p>
-            <a:pPr marL="457200" indent="-457200">
-              <a:buFont typeface="+mj-lt"/>
-              <a:buAutoNum type="arabicPeriod"/>
+            <a:pPr marL="0" indent="0" algn="ctr">
+              <a:buNone/>
             </a:pPr>
-            <a:r>
-              <a:rPr lang="en-AU" dirty="0"/>
-              <a:t>Learn the finite-difference approximation</a:t>
-            </a:r>
-          </a:p>
-          <a:p>
-            <a:pPr marL="457200" indent="-457200">
-              <a:buFont typeface="+mj-lt"/>
-              <a:buAutoNum type="arabicPeriod"/>
-            </a:pPr>
-            <a:r>
-              <a:rPr lang="en-AU" dirty="0"/>
-              <a:t>Numerically integrate an ODE (without using ODE int!)</a:t>
-            </a:r>
-          </a:p>
-        </p:txBody>
-      </p:sp>
-      <p:sp>
-        <p:nvSpPr>
-          <p:cNvPr id="5" name="TextBox 4">
-            <a:extLst>
-              <a:ext uri="{FF2B5EF4-FFF2-40B4-BE49-F238E27FC236}">
-                <a16:creationId xmlns:a16="http://schemas.microsoft.com/office/drawing/2014/main" id="{74E77202-09F6-4942-AD6D-4B0334207023}"/>
-              </a:ext>
-            </a:extLst>
-          </p:cNvPr>
-          <p:cNvSpPr txBox="1"/>
-          <p:nvPr/>
-        </p:nvSpPr>
-        <p:spPr>
-          <a:xfrm>
-            <a:off x="2117304" y="2067882"/>
-            <a:ext cx="3672408" cy="369332"/>
-          </a:xfrm>
-          <a:prstGeom prst="rect">
-            <a:avLst/>
-          </a:prstGeom>
-          <a:noFill/>
-        </p:spPr>
-        <p:txBody>
-          <a:bodyPr wrap="square" rtlCol="0">
-            <a:spAutoFit/>
-          </a:bodyPr>
-          <a:lstStyle/>
-          <a:p>
-            <a:r>
-              <a:rPr lang="en-AU" dirty="0">
-                <a:solidFill>
-                  <a:srgbClr val="92D050"/>
-                </a:solidFill>
-              </a:rPr>
-              <a:t>Beginner Level</a:t>
-            </a:r>
-          </a:p>
-        </p:txBody>
-      </p:sp>
-      <p:sp>
-        <p:nvSpPr>
-          <p:cNvPr id="6" name="TextBox 5">
-            <a:extLst>
-              <a:ext uri="{FF2B5EF4-FFF2-40B4-BE49-F238E27FC236}">
-                <a16:creationId xmlns:a16="http://schemas.microsoft.com/office/drawing/2014/main" id="{95DE19B4-893B-4C0F-B0E2-891E1C1748B0}"/>
-              </a:ext>
-            </a:extLst>
-          </p:cNvPr>
-          <p:cNvSpPr txBox="1"/>
-          <p:nvPr/>
-        </p:nvSpPr>
-        <p:spPr>
-          <a:xfrm>
-            <a:off x="4367808" y="4420787"/>
-            <a:ext cx="3672408" cy="369332"/>
-          </a:xfrm>
-          <a:prstGeom prst="rect">
-            <a:avLst/>
-          </a:prstGeom>
-          <a:noFill/>
-        </p:spPr>
-        <p:txBody>
-          <a:bodyPr wrap="square" rtlCol="0">
-            <a:spAutoFit/>
-          </a:bodyPr>
-          <a:lstStyle/>
-          <a:p>
-            <a:r>
-              <a:rPr lang="en-AU" dirty="0">
-                <a:solidFill>
-                  <a:srgbClr val="92D050"/>
-                </a:solidFill>
-              </a:rPr>
-              <a:t>Advanced Level </a:t>
-            </a:r>
-          </a:p>
-        </p:txBody>
-      </p:sp>
-      <p:sp>
-        <p:nvSpPr>
-          <p:cNvPr id="7" name="TextBox 6">
-            <a:extLst>
-              <a:ext uri="{FF2B5EF4-FFF2-40B4-BE49-F238E27FC236}">
-                <a16:creationId xmlns:a16="http://schemas.microsoft.com/office/drawing/2014/main" id="{5E98D18C-D482-49D5-8D4F-88B1994FC63D}"/>
-              </a:ext>
-            </a:extLst>
-          </p:cNvPr>
-          <p:cNvSpPr txBox="1"/>
-          <p:nvPr/>
-        </p:nvSpPr>
-        <p:spPr>
-          <a:xfrm>
-            <a:off x="7320136" y="2052986"/>
-            <a:ext cx="3672408" cy="369332"/>
-          </a:xfrm>
-          <a:prstGeom prst="rect">
-            <a:avLst/>
-          </a:prstGeom>
-          <a:noFill/>
-        </p:spPr>
-        <p:txBody>
-          <a:bodyPr wrap="square" rtlCol="0">
-            <a:spAutoFit/>
-          </a:bodyPr>
-          <a:lstStyle/>
-          <a:p>
             <a:r>
               <a:rPr lang="en-AU" dirty="0">
                 <a:solidFill>
@@ -6153,6 +6361,27 @@
                 </a:solidFill>
               </a:rPr>
               <a:t>Intermediate level </a:t>
+            </a:r>
+            <a:endParaRPr lang="en-AU" dirty="0"/>
+          </a:p>
+          <a:p>
+            <a:pPr marL="457200" indent="-457200">
+              <a:buFont typeface="+mj-lt"/>
+              <a:buAutoNum type="arabicPeriod"/>
+            </a:pPr>
+            <a:r>
+              <a:rPr lang="en-AU" dirty="0"/>
+              <a:t>Learn the finite-difference approximation</a:t>
+            </a:r>
+          </a:p>
+          <a:p>
+            <a:pPr marL="457200" indent="-457200">
+              <a:buFont typeface="+mj-lt"/>
+              <a:buAutoNum type="arabicPeriod"/>
+            </a:pPr>
+            <a:r>
+              <a:rPr lang="en-AU" dirty="0"/>
+              <a:t>Numerically integrate an ODE (without using ODE int!)</a:t>
             </a:r>
           </a:p>
         </p:txBody>
@@ -6173,7 +6402,7 @@
         </p:nvSpPr>
         <p:spPr>
           <a:xfrm>
-            <a:off x="3396208" y="4809862"/>
+            <a:off x="3503712" y="4557770"/>
             <a:ext cx="4355976" cy="2160240"/>
           </a:xfrm>
           <a:prstGeom prst="rect">
@@ -6386,6 +6615,20 @@
             </a:lvl9pPr>
           </a:lstStyle>
           <a:p>
+            <a:pPr marL="0" indent="0" algn="ctr">
+              <a:buNone/>
+            </a:pPr>
+            <a:r>
+              <a:rPr lang="en-AU" dirty="0">
+                <a:solidFill>
+                  <a:srgbClr val="92D050"/>
+                </a:solidFill>
+              </a:rPr>
+              <a:t>Advanced Level </a:t>
+            </a:r>
+            <a:endParaRPr lang="en-AU" dirty="0"/>
+          </a:p>
+          <a:p>
             <a:pPr marL="457200" indent="-457200">
               <a:buFont typeface="+mj-lt"/>
               <a:buAutoNum type="arabicPeriod"/>
@@ -6402,7 +6645,7 @@
             </a:pPr>
             <a:r>
               <a:rPr lang="en-AU" dirty="0"/>
-              <a:t>Solve Poisson’s equation in ID using matrices and inbuilt routines</a:t>
+              <a:t>Solve 1D Poisson’s equation using matrices and inbuilt routines</a:t>
             </a:r>
           </a:p>
         </p:txBody>
@@ -6411,113 +6654,6 @@
     <p:extLst>
       <p:ext uri="{BB962C8B-B14F-4D97-AF65-F5344CB8AC3E}">
         <p14:creationId xmlns:p14="http://schemas.microsoft.com/office/powerpoint/2010/main" val="1463789773"/>
-      </p:ext>
-    </p:extLst>
-  </p:cSld>
-  <p:clrMapOvr>
-    <a:masterClrMapping/>
-  </p:clrMapOvr>
-</p:sld>
-</file>
-
-<file path=ppt/slides/slide20.xml><?xml version="1.0" encoding="utf-8"?>
-<p:sld xmlns:a="http://schemas.openxmlformats.org/drawingml/2006/main" xmlns:r="http://schemas.openxmlformats.org/officeDocument/2006/relationships" xmlns:p="http://schemas.openxmlformats.org/presentationml/2006/main">
-  <p:cSld>
-    <p:spTree>
-      <p:nvGrpSpPr>
-        <p:cNvPr id="1" name=""/>
-        <p:cNvGrpSpPr/>
-        <p:nvPr/>
-      </p:nvGrpSpPr>
-      <p:grpSpPr>
-        <a:xfrm>
-          <a:off x="0" y="0"/>
-          <a:ext cx="0" cy="0"/>
-          <a:chOff x="0" y="0"/>
-          <a:chExt cx="0" cy="0"/>
-        </a:xfrm>
-      </p:grpSpPr>
-      <p:sp>
-        <p:nvSpPr>
-          <p:cNvPr id="2" name="Title 1">
-            <a:extLst>
-              <a:ext uri="{FF2B5EF4-FFF2-40B4-BE49-F238E27FC236}">
-                <a16:creationId xmlns:a16="http://schemas.microsoft.com/office/drawing/2014/main" id="{25C71CB6-CE1E-482C-AE44-2882B05197F5}"/>
-              </a:ext>
-            </a:extLst>
-          </p:cNvPr>
-          <p:cNvSpPr>
-            <a:spLocks noGrp="1"/>
-          </p:cNvSpPr>
-          <p:nvPr>
-            <p:ph type="title"/>
-          </p:nvPr>
-        </p:nvSpPr>
-        <p:spPr/>
-        <p:txBody>
-          <a:bodyPr/>
-          <a:lstStyle/>
-          <a:p>
-            <a:r>
-              <a:rPr lang="en-AU" dirty="0"/>
-              <a:t>Further steps</a:t>
-            </a:r>
-          </a:p>
-        </p:txBody>
-      </p:sp>
-      <p:sp>
-        <p:nvSpPr>
-          <p:cNvPr id="3" name="Content Placeholder 2">
-            <a:extLst>
-              <a:ext uri="{FF2B5EF4-FFF2-40B4-BE49-F238E27FC236}">
-                <a16:creationId xmlns:a16="http://schemas.microsoft.com/office/drawing/2014/main" id="{E0ECD7E8-EB9B-494C-B464-F41DF56DE638}"/>
-              </a:ext>
-            </a:extLst>
-          </p:cNvPr>
-          <p:cNvSpPr>
-            <a:spLocks noGrp="1"/>
-          </p:cNvSpPr>
-          <p:nvPr>
-            <p:ph idx="1"/>
-          </p:nvPr>
-        </p:nvSpPr>
-        <p:spPr/>
-        <p:txBody>
-          <a:bodyPr/>
-          <a:lstStyle/>
-          <a:p>
-            <a:r>
-              <a:rPr lang="en-AU" dirty="0"/>
-              <a:t>So far this is still only 1D</a:t>
-            </a:r>
-          </a:p>
-          <a:p>
-            <a:r>
-              <a:rPr lang="en-AU" dirty="0"/>
-              <a:t>We have fixed our Step size (a) to be constant for all positions in our mesh</a:t>
-            </a:r>
-          </a:p>
-          <a:p>
-            <a:r>
-              <a:rPr lang="en-AU" dirty="0"/>
-              <a:t>It is time constant</a:t>
-            </a:r>
-          </a:p>
-          <a:p>
-            <a:r>
-              <a:rPr lang="en-AU" dirty="0"/>
-              <a:t>Other questions / comments? Please let me know! There is a lot of ground that can be covered and I’m unsure as to what you would like.</a:t>
-            </a:r>
-          </a:p>
-          <a:p>
-            <a:endParaRPr lang="en-AU" dirty="0"/>
-          </a:p>
-        </p:txBody>
-      </p:sp>
-    </p:spTree>
-    <p:extLst>
-      <p:ext uri="{BB962C8B-B14F-4D97-AF65-F5344CB8AC3E}">
-        <p14:creationId xmlns:p14="http://schemas.microsoft.com/office/powerpoint/2010/main" val="4208693591"/>
       </p:ext>
     </p:extLst>
   </p:cSld>
@@ -6660,7 +6796,7 @@
             </a:r>
             <a:r>
               <a:rPr lang="en-AU" b="1" dirty="0"/>
-              <a:t>the degree to which each iteration depends on the value of the iteration before it.</a:t>
+              <a:t>the how each iteration depends on the value of the iteration before it.</a:t>
             </a:r>
             <a:endParaRPr lang="en-AU" dirty="0"/>
           </a:p>
@@ -7138,9 +7274,16 @@
             <p:ph idx="1"/>
           </p:nvPr>
         </p:nvSpPr>
-        <p:spPr/>
+        <p:spPr>
+          <a:xfrm>
+            <a:off x="1524000" y="1828800"/>
+            <a:ext cx="9144000" cy="2248272"/>
+          </a:xfrm>
+        </p:spPr>
         <p:txBody>
-          <a:bodyPr/>
+          <a:bodyPr>
+            <a:normAutofit/>
+          </a:bodyPr>
           <a:lstStyle/>
           <a:p>
             <a:pPr marL="0" indent="0">
@@ -7148,7 +7291,7 @@
             </a:pPr>
             <a:r>
               <a:rPr lang="en-AU" dirty="0"/>
-              <a:t>We’re going to numerically simulate the following differential equation:</a:t>
+              <a:t>We’re going to numerically integrate the following differential equation:</a:t>
             </a:r>
           </a:p>
           <a:p>
@@ -7184,49 +7327,12 @@
             <a:pPr marL="0" indent="0">
               <a:buNone/>
             </a:pPr>
-            <a:r>
-              <a:rPr lang="en-AU" dirty="0"/>
-              <a:t>Strategy:</a:t>
-            </a:r>
-            <a:br>
-              <a:rPr lang="en-AU" dirty="0"/>
-            </a:br>
-            <a:r>
-              <a:rPr lang="en-AU" dirty="0"/>
-              <a:t>	1. Determine our discretisation regime</a:t>
-            </a:r>
-            <a:br>
-              <a:rPr lang="en-AU" dirty="0"/>
-            </a:br>
-            <a:r>
-              <a:rPr lang="en-AU" dirty="0"/>
-              <a:t>	2. Determine how to ‘step’ across our regime</a:t>
-            </a:r>
-            <a:br>
-              <a:rPr lang="en-AU" dirty="0"/>
-            </a:br>
-            <a:r>
-              <a:rPr lang="en-AU" dirty="0"/>
-              <a:t>	3. Set up function(s) that will ‘step’ as we wish</a:t>
-            </a:r>
-            <a:br>
-              <a:rPr lang="en-AU" dirty="0"/>
-            </a:br>
-            <a:r>
-              <a:rPr lang="en-AU" dirty="0"/>
-              <a:t>	4. Put functions in loops, iterate and solve</a:t>
-            </a:r>
-          </a:p>
-          <a:p>
-            <a:pPr marL="0" indent="0">
-              <a:buNone/>
-            </a:pPr>
             <a:endParaRPr lang="en-AU" dirty="0"/>
           </a:p>
         </p:txBody>
       </p:sp>
-      <mc:AlternateContent xmlns:mc="http://schemas.openxmlformats.org/markup-compatibility/2006">
-        <mc:Choice xmlns:a14="http://schemas.microsoft.com/office/drawing/2010/main" Requires="a14">
+      <mc:AlternateContent xmlns:mc="http://schemas.openxmlformats.org/markup-compatibility/2006" xmlns:a14="http://schemas.microsoft.com/office/drawing/2010/main">
+        <mc:Choice Requires="a14">
           <p:sp>
             <p:nvSpPr>
               <p:cNvPr id="5" name="TextBox 4">
@@ -7255,6 +7361,7 @@
               </a:bodyPr>
               <a:lstStyle/>
               <a:p>
+                <a:pPr/>
                 <a14:m>
                   <m:oMathPara xmlns:m="http://schemas.openxmlformats.org/officeDocument/2006/math">
                     <m:oMathParaPr>
@@ -7349,7 +7456,7 @@
             </p:txBody>
           </p:sp>
         </mc:Choice>
-        <mc:Fallback>
+        <mc:Fallback xmlns="">
           <p:sp>
             <p:nvSpPr>
               <p:cNvPr id="5" name="TextBox 4">
@@ -7394,6 +7501,106 @@
           </p:sp>
         </mc:Fallback>
       </mc:AlternateContent>
+      <p:pic>
+        <p:nvPicPr>
+          <p:cNvPr id="1026" name="Picture 2" descr="Calculus II - Approximating Definite Integrals">
+            <a:extLst>
+              <a:ext uri="{FF2B5EF4-FFF2-40B4-BE49-F238E27FC236}">
+                <a16:creationId xmlns:a16="http://schemas.microsoft.com/office/drawing/2014/main" id="{22F8EFFF-7BFE-4592-9CC2-2A8DF67166F8}"/>
+              </a:ext>
+            </a:extLst>
+          </p:cNvPr>
+          <p:cNvPicPr>
+            <a:picLocks noChangeAspect="1" noChangeArrowheads="1"/>
+          </p:cNvPicPr>
+          <p:nvPr/>
+        </p:nvPicPr>
+        <p:blipFill>
+          <a:blip r:embed="rId3">
+            <a:extLst>
+              <a:ext uri="{28A0092B-C50C-407E-A947-70E740481C1C}">
+                <a14:useLocalDpi xmlns:a14="http://schemas.microsoft.com/office/drawing/2010/main" val="0"/>
+              </a:ext>
+            </a:extLst>
+          </a:blip>
+          <a:srcRect/>
+          <a:stretch>
+            <a:fillRect/>
+          </a:stretch>
+        </p:blipFill>
+        <p:spPr bwMode="auto">
+          <a:xfrm>
+            <a:off x="7265578" y="4102224"/>
+            <a:ext cx="3419872" cy="2422410"/>
+          </a:xfrm>
+          <a:prstGeom prst="rect">
+            <a:avLst/>
+          </a:prstGeom>
+          <a:noFill/>
+          <a:extLst>
+            <a:ext uri="{909E8E84-426E-40DD-AFC4-6F175D3DCCD1}">
+              <a14:hiddenFill xmlns:a14="http://schemas.microsoft.com/office/drawing/2010/main">
+                <a:solidFill>
+                  <a:srgbClr val="FFFFFF"/>
+                </a:solidFill>
+              </a14:hiddenFill>
+            </a:ext>
+          </a:extLst>
+        </p:spPr>
+      </p:pic>
+      <p:sp>
+        <p:nvSpPr>
+          <p:cNvPr id="7" name="TextBox 6">
+            <a:extLst>
+              <a:ext uri="{FF2B5EF4-FFF2-40B4-BE49-F238E27FC236}">
+                <a16:creationId xmlns:a16="http://schemas.microsoft.com/office/drawing/2014/main" id="{F1CDBED4-0FAC-4607-A908-FACDB0E22057}"/>
+              </a:ext>
+            </a:extLst>
+          </p:cNvPr>
+          <p:cNvSpPr txBox="1"/>
+          <p:nvPr/>
+        </p:nvSpPr>
+        <p:spPr>
+          <a:xfrm>
+            <a:off x="1517939" y="4102224"/>
+            <a:ext cx="4938101" cy="1631216"/>
+          </a:xfrm>
+          <a:prstGeom prst="rect">
+            <a:avLst/>
+          </a:prstGeom>
+          <a:noFill/>
+        </p:spPr>
+        <p:txBody>
+          <a:bodyPr wrap="square">
+            <a:spAutoFit/>
+          </a:bodyPr>
+          <a:lstStyle/>
+          <a:p>
+            <a:pPr marL="0" indent="0">
+              <a:buNone/>
+            </a:pPr>
+            <a:r>
+              <a:rPr lang="en-AU" sz="2000" dirty="0"/>
+              <a:t>To do this we will be stepping through time and evaluating x(t) as we go. </a:t>
+            </a:r>
+          </a:p>
+          <a:p>
+            <a:pPr marL="0" indent="0">
+              <a:buNone/>
+            </a:pPr>
+            <a:endParaRPr lang="en-AU" sz="2000" dirty="0"/>
+          </a:p>
+          <a:p>
+            <a:pPr marL="0" indent="0">
+              <a:buNone/>
+            </a:pPr>
+            <a:r>
+              <a:rPr lang="en-AU" sz="2000" dirty="0"/>
+              <a:t>This is a similar idea to what you may have learnt when first solving integrals.</a:t>
+            </a:r>
+          </a:p>
+        </p:txBody>
+      </p:sp>
     </p:spTree>
     <p:extLst>
       <p:ext uri="{BB962C8B-B14F-4D97-AF65-F5344CB8AC3E}">
@@ -7408,150 +7615,6 @@
 </file>
 
 <file path=ppt/slides/slide7.xml><?xml version="1.0" encoding="utf-8"?>
-<p:sld xmlns:a="http://schemas.openxmlformats.org/drawingml/2006/main" xmlns:r="http://schemas.openxmlformats.org/officeDocument/2006/relationships" xmlns:p="http://schemas.openxmlformats.org/presentationml/2006/main">
-  <p:cSld>
-    <p:spTree>
-      <p:nvGrpSpPr>
-        <p:cNvPr id="1" name=""/>
-        <p:cNvGrpSpPr/>
-        <p:nvPr/>
-      </p:nvGrpSpPr>
-      <p:grpSpPr>
-        <a:xfrm>
-          <a:off x="0" y="0"/>
-          <a:ext cx="0" cy="0"/>
-          <a:chOff x="0" y="0"/>
-          <a:chExt cx="0" cy="0"/>
-        </a:xfrm>
-      </p:grpSpPr>
-      <p:sp>
-        <p:nvSpPr>
-          <p:cNvPr id="2" name="Title 1">
-            <a:extLst>
-              <a:ext uri="{FF2B5EF4-FFF2-40B4-BE49-F238E27FC236}">
-                <a16:creationId xmlns:a16="http://schemas.microsoft.com/office/drawing/2014/main" id="{56AD8488-C786-4DBA-94EA-F2CA292DD5B6}"/>
-              </a:ext>
-            </a:extLst>
-          </p:cNvPr>
-          <p:cNvSpPr>
-            <a:spLocks noGrp="1"/>
-          </p:cNvSpPr>
-          <p:nvPr>
-            <p:ph type="title"/>
-          </p:nvPr>
-        </p:nvSpPr>
-        <p:spPr/>
-        <p:txBody>
-          <a:bodyPr/>
-          <a:lstStyle/>
-          <a:p>
-            <a:r>
-              <a:rPr lang="en-AU" dirty="0"/>
-              <a:t>Discretisation and Step Relationship</a:t>
-            </a:r>
-          </a:p>
-        </p:txBody>
-      </p:sp>
-      <p:sp>
-        <p:nvSpPr>
-          <p:cNvPr id="3" name="Content Placeholder 2">
-            <a:extLst>
-              <a:ext uri="{FF2B5EF4-FFF2-40B4-BE49-F238E27FC236}">
-                <a16:creationId xmlns:a16="http://schemas.microsoft.com/office/drawing/2014/main" id="{0D41DC3C-D118-4FBC-9143-8B33D3F2FEB9}"/>
-              </a:ext>
-            </a:extLst>
-          </p:cNvPr>
-          <p:cNvSpPr>
-            <a:spLocks noGrp="1"/>
-          </p:cNvSpPr>
-          <p:nvPr>
-            <p:ph idx="1"/>
-          </p:nvPr>
-        </p:nvSpPr>
-        <p:spPr/>
-        <p:txBody>
-          <a:bodyPr/>
-          <a:lstStyle/>
-          <a:p>
-            <a:pPr marL="0" indent="0">
-              <a:buNone/>
-            </a:pPr>
-            <a:r>
-              <a:rPr lang="en-AU" dirty="0"/>
-              <a:t>Hopefully you should realise that if we’re evaluating x(t) from the equation below, we need to </a:t>
-            </a:r>
-            <a:r>
-              <a:rPr lang="en-AU" b="1" dirty="0"/>
-              <a:t>define a range of t’s </a:t>
-            </a:r>
-            <a:r>
-              <a:rPr lang="en-AU" dirty="0"/>
-              <a:t>that we’re going to be using.</a:t>
-            </a:r>
-          </a:p>
-          <a:p>
-            <a:pPr marL="0" indent="0">
-              <a:buNone/>
-            </a:pPr>
-            <a:r>
-              <a:rPr lang="en-AU" dirty="0"/>
-              <a:t>You need to ask; </a:t>
-            </a:r>
-          </a:p>
-          <a:p>
-            <a:pPr marL="457200" indent="-457200">
-              <a:buAutoNum type="arabicPeriod"/>
-            </a:pPr>
-            <a:r>
-              <a:rPr lang="en-AU" dirty="0"/>
-              <a:t>How large a range will you be considering?</a:t>
-            </a:r>
-          </a:p>
-          <a:p>
-            <a:pPr marL="457200" indent="-457200">
-              <a:buAutoNum type="arabicPeriod"/>
-            </a:pPr>
-            <a:r>
-              <a:rPr lang="en-AU" dirty="0"/>
-              <a:t>How small does the step size in t need to be?</a:t>
-            </a:r>
-          </a:p>
-          <a:p>
-            <a:pPr marL="457200" indent="-457200">
-              <a:buAutoNum type="arabicPeriod"/>
-            </a:pPr>
-            <a:endParaRPr lang="en-AU" dirty="0"/>
-          </a:p>
-          <a:p>
-            <a:pPr marL="0" indent="0">
-              <a:buNone/>
-            </a:pPr>
-            <a:r>
-              <a:rPr lang="en-AU" dirty="0"/>
-              <a:t>The answer for 2 will probably come from our </a:t>
-            </a:r>
-            <a:r>
-              <a:rPr lang="en-AU" b="1" dirty="0"/>
-              <a:t>stepping function</a:t>
-            </a:r>
-            <a:endParaRPr lang="en-AU" dirty="0"/>
-          </a:p>
-        </p:txBody>
-      </p:sp>
-    </p:spTree>
-    <p:extLst>
-      <p:ext uri="{BB962C8B-B14F-4D97-AF65-F5344CB8AC3E}">
-        <p14:creationId xmlns:p14="http://schemas.microsoft.com/office/powerpoint/2010/main" val="383942753"/>
-      </p:ext>
-    </p:extLst>
-  </p:cSld>
-  <p:clrMapOvr>
-    <a:masterClrMapping/>
-  </p:clrMapOvr>
-</p:sld>
-</file>
-
-<file path=ppt/slides/slide8.xml><?xml version="1.0" encoding="utf-8"?>
 <p:sld xmlns:a="http://schemas.openxmlformats.org/drawingml/2006/main" xmlns:r="http://schemas.openxmlformats.org/officeDocument/2006/relationships" xmlns:p="http://schemas.openxmlformats.org/presentationml/2006/main">
   <p:cSld>
     <p:spTree>
@@ -7596,217 +7659,491 @@
           </a:p>
         </p:txBody>
       </p:sp>
-      <p:sp>
-        <p:nvSpPr>
-          <p:cNvPr id="3" name="Content Placeholder 2">
-            <a:extLst>
-              <a:ext uri="{FF2B5EF4-FFF2-40B4-BE49-F238E27FC236}">
-                <a16:creationId xmlns:a16="http://schemas.microsoft.com/office/drawing/2014/main" id="{B899D9F3-C194-4569-B82E-6402FFB7C27D}"/>
-              </a:ext>
-            </a:extLst>
-          </p:cNvPr>
-          <p:cNvSpPr>
-            <a:spLocks noGrp="1"/>
-          </p:cNvSpPr>
-          <p:nvPr>
-            <p:ph idx="1"/>
-          </p:nvPr>
-        </p:nvSpPr>
-        <p:spPr>
-          <a:xfrm>
-            <a:off x="1524000" y="1988840"/>
-            <a:ext cx="9144000" cy="4107160"/>
-          </a:xfrm>
-        </p:spPr>
-        <p:txBody>
-          <a:bodyPr/>
-          <a:lstStyle/>
-          <a:p>
-            <a:pPr marL="0" indent="0">
-              <a:buNone/>
-            </a:pPr>
-            <a:r>
-              <a:rPr lang="en-AU" dirty="0"/>
-              <a:t>Our goal is to turn		     into a formula relating our current value for x at time T, to past values for x at time t &lt; T. </a:t>
-            </a:r>
-          </a:p>
-          <a:p>
-            <a:pPr marL="0" indent="0">
-              <a:buNone/>
-            </a:pPr>
-            <a:r>
-              <a:rPr lang="en-AU" dirty="0"/>
-              <a:t>Because our simulation will be performing in discrete time steps, we want to relate the current value for x to previous values for x.</a:t>
-            </a:r>
-          </a:p>
-          <a:p>
-            <a:pPr marL="0" indent="0">
-              <a:buNone/>
-            </a:pPr>
-            <a:r>
-              <a:rPr lang="en-AU" dirty="0"/>
-              <a:t>In short, we want to know; what is the relationship between x(</a:t>
-            </a:r>
-            <a:r>
-              <a:rPr lang="en-AU" dirty="0" err="1"/>
-              <a:t>t</a:t>
-            </a:r>
-            <a:r>
-              <a:rPr lang="en-AU" sz="1200" dirty="0" err="1"/>
-              <a:t>n</a:t>
-            </a:r>
-            <a:r>
-              <a:rPr lang="en-AU" dirty="0"/>
-              <a:t>) and x(t</a:t>
-            </a:r>
-            <a:r>
-              <a:rPr lang="en-AU" sz="1200" dirty="0"/>
-              <a:t>n-1</a:t>
-            </a:r>
-            <a:r>
-              <a:rPr lang="en-AU" dirty="0"/>
-              <a:t>), x(t</a:t>
-            </a:r>
-            <a:r>
-              <a:rPr lang="en-AU" sz="1200" dirty="0"/>
-              <a:t>n-2</a:t>
-            </a:r>
-            <a:r>
-              <a:rPr lang="en-AU" dirty="0"/>
-              <a:t>) etc?</a:t>
-            </a:r>
-          </a:p>
-          <a:p>
-            <a:pPr marL="0" indent="0">
-              <a:buNone/>
-            </a:pPr>
-            <a:r>
-              <a:rPr lang="en-AU" dirty="0"/>
-              <a:t>If we know this, then we can always evaluate x(t=T) by using our previous values of x(t&lt;T). This is how iterative methods are done.</a:t>
-            </a:r>
-          </a:p>
-        </p:txBody>
-      </p:sp>
       <mc:AlternateContent xmlns:mc="http://schemas.openxmlformats.org/markup-compatibility/2006">
         <mc:Choice xmlns:a14="http://schemas.microsoft.com/office/drawing/2010/main" Requires="a14">
           <p:sp>
             <p:nvSpPr>
-              <p:cNvPr id="5" name="TextBox 4">
+              <p:cNvPr id="3" name="Content Placeholder 2">
                 <a:extLst>
                   <a:ext uri="{FF2B5EF4-FFF2-40B4-BE49-F238E27FC236}">
-                    <a16:creationId xmlns:a16="http://schemas.microsoft.com/office/drawing/2014/main" id="{E4DBFA57-BCA7-47B4-88BC-2CB87010690C}"/>
+                    <a16:creationId xmlns:a16="http://schemas.microsoft.com/office/drawing/2014/main" id="{B899D9F3-C194-4569-B82E-6402FFB7C27D}"/>
                   </a:ext>
                 </a:extLst>
               </p:cNvPr>
-              <p:cNvSpPr txBox="1"/>
-              <p:nvPr/>
+              <p:cNvSpPr>
+                <a:spLocks noGrp="1"/>
+              </p:cNvSpPr>
+              <p:nvPr>
+                <p:ph idx="1"/>
+              </p:nvPr>
             </p:nvSpPr>
             <p:spPr>
               <a:xfrm>
-                <a:off x="3935760" y="1772816"/>
-                <a:ext cx="1195135" cy="715260"/>
+                <a:off x="1524000" y="1988840"/>
+                <a:ext cx="9144000" cy="4107160"/>
               </a:xfrm>
-              <a:prstGeom prst="rect">
-                <a:avLst/>
-              </a:prstGeom>
-              <a:noFill/>
             </p:spPr>
             <p:txBody>
-              <a:bodyPr wrap="none" lIns="0" tIns="0" rIns="0" bIns="0" rtlCol="0">
-                <a:spAutoFit/>
+              <a:bodyPr>
+                <a:normAutofit/>
               </a:bodyPr>
               <a:lstStyle/>
               <a:p>
+                <a:pPr marL="0" indent="0">
+                  <a:buNone/>
+                </a:pPr>
+                <a:r>
+                  <a:rPr lang="en-AU" dirty="0"/>
+                  <a:t>Let's say we wanted to compute </a:t>
+                </a:r>
+              </a:p>
+              <a:p>
+                <a:pPr marL="0" indent="0">
+                  <a:buNone/>
+                </a:pPr>
                 <a14:m>
                   <m:oMathPara xmlns:m="http://schemas.openxmlformats.org/officeDocument/2006/math">
                     <m:oMathParaPr>
                       <m:jc m:val="centerGroup"/>
                     </m:oMathParaPr>
                     <m:oMath xmlns:m="http://schemas.openxmlformats.org/officeDocument/2006/math">
-                      <m:f>
-                        <m:fPr>
+                      <m:r>
+                        <a:rPr lang="en-US" sz="2000" b="0" i="1" smtClean="0">
+                          <a:latin typeface="Cambria Math" panose="02040503050406030204" pitchFamily="18" charset="0"/>
+                        </a:rPr>
+                        <m:t>𝑥</m:t>
+                      </m:r>
+                      <m:r>
+                        <a:rPr lang="en-US" sz="2000" b="0" i="1" smtClean="0">
+                          <a:latin typeface="Cambria Math" panose="02040503050406030204" pitchFamily="18" charset="0"/>
+                        </a:rPr>
+                        <m:t>(</m:t>
+                      </m:r>
+                      <m:r>
+                        <a:rPr lang="en-US" sz="2000" b="0" i="1" smtClean="0">
+                          <a:latin typeface="Cambria Math" panose="02040503050406030204" pitchFamily="18" charset="0"/>
+                        </a:rPr>
+                        <m:t>𝑇</m:t>
+                      </m:r>
+                      <m:r>
+                        <a:rPr lang="en-US" sz="2000" b="0" i="1" smtClean="0">
+                          <a:latin typeface="Cambria Math" panose="02040503050406030204" pitchFamily="18" charset="0"/>
+                        </a:rPr>
+                        <m:t>)=</m:t>
+                      </m:r>
+                      <m:nary>
+                        <m:naryPr>
+                          <m:limLoc m:val="undOvr"/>
                           <m:ctrlPr>
-                            <a:rPr lang="en-US" sz="1600" b="0" i="1" smtClean="0">
+                            <a:rPr lang="en-US" sz="2000" b="0" i="1" smtClean="0">
                               <a:latin typeface="Cambria Math" panose="02040503050406030204" pitchFamily="18" charset="0"/>
                             </a:rPr>
                           </m:ctrlPr>
-                        </m:fPr>
-                        <m:num>
+                        </m:naryPr>
+                        <m:sub>
                           <m:r>
-                            <a:rPr lang="en-US" sz="1600" b="0" i="1" smtClean="0">
+                            <m:rPr>
+                              <m:brk m:alnAt="24"/>
+                            </m:rPr>
+                            <a:rPr lang="en-US" sz="2000" b="0" i="1" smtClean="0">
                               <a:latin typeface="Cambria Math" panose="02040503050406030204" pitchFamily="18" charset="0"/>
                             </a:rPr>
-                            <m:t>𝑑𝑥</m:t>
+                            <m:t>0</m:t>
                           </m:r>
-                        </m:num>
-                        <m:den>
+                        </m:sub>
+                        <m:sup>
                           <m:r>
-                            <a:rPr lang="en-US" sz="1600" b="0" i="1" smtClean="0">
+                            <a:rPr lang="en-US" sz="2000" b="0" i="1" smtClean="0">
                               <a:latin typeface="Cambria Math" panose="02040503050406030204" pitchFamily="18" charset="0"/>
                             </a:rPr>
-                            <m:t>𝑑𝑡</m:t>
+                            <m:t>𝑇</m:t>
                           </m:r>
-                        </m:den>
-                      </m:f>
-                      <m:r>
-                        <a:rPr lang="en-US" sz="1600" b="0" i="1" smtClean="0">
-                          <a:latin typeface="Cambria Math" panose="02040503050406030204" pitchFamily="18" charset="0"/>
-                        </a:rPr>
-                        <m:t>=</m:t>
-                      </m:r>
-                      <m:f>
-                        <m:fPr>
-                          <m:ctrlPr>
-                            <a:rPr lang="en-US" sz="1600" b="0" i="1" smtClean="0">
-                              <a:latin typeface="Cambria Math" panose="02040503050406030204" pitchFamily="18" charset="0"/>
-                            </a:rPr>
-                          </m:ctrlPr>
-                        </m:fPr>
-                        <m:num>
-                          <m:r>
-                            <m:rPr>
-                              <m:sty m:val="p"/>
-                            </m:rPr>
-                            <a:rPr lang="en-US" sz="1600" b="0" i="0" smtClean="0">
-                              <a:latin typeface="Cambria Math" panose="02040503050406030204" pitchFamily="18" charset="0"/>
-                            </a:rPr>
-                            <m:t>sin</m:t>
-                          </m:r>
-                          <m:r>
-                            <a:rPr lang="en-US" sz="1600" b="0" i="1" smtClean="0">
-                              <a:latin typeface="Cambria Math" panose="02040503050406030204" pitchFamily="18" charset="0"/>
-                            </a:rPr>
-                            <m:t>⁡(</m:t>
-                          </m:r>
-                          <m:r>
-                            <a:rPr lang="en-US" sz="1600" b="0" i="1" smtClean="0">
-                              <a:latin typeface="Cambria Math" panose="02040503050406030204" pitchFamily="18" charset="0"/>
-                            </a:rPr>
-                            <m:t>𝑡</m:t>
-                          </m:r>
-                          <m:r>
-                            <a:rPr lang="en-US" sz="1600" b="0" i="1" smtClean="0">
-                              <a:latin typeface="Cambria Math" panose="02040503050406030204" pitchFamily="18" charset="0"/>
-                            </a:rPr>
-                            <m:t>)</m:t>
-                          </m:r>
-                        </m:num>
-                        <m:den>
-                          <m:r>
-                            <a:rPr lang="en-US" sz="1600" b="0" i="1" smtClean="0">
-                              <a:latin typeface="Cambria Math" panose="02040503050406030204" pitchFamily="18" charset="0"/>
-                            </a:rPr>
-                            <m:t>𝑡</m:t>
-                          </m:r>
-                        </m:den>
-                      </m:f>
+                        </m:sup>
+                        <m:e>
+                          <m:f>
+                            <m:fPr>
+                              <m:ctrlPr>
+                                <a:rPr lang="en-US" i="1">
+                                  <a:latin typeface="Cambria Math" panose="02040503050406030204" pitchFamily="18" charset="0"/>
+                                </a:rPr>
+                              </m:ctrlPr>
+                            </m:fPr>
+                            <m:num>
+                              <m:r>
+                                <m:rPr>
+                                  <m:sty m:val="p"/>
+                                </m:rPr>
+                                <a:rPr lang="en-US">
+                                  <a:latin typeface="Cambria Math" panose="02040503050406030204" pitchFamily="18" charset="0"/>
+                                </a:rPr>
+                                <m:t>sin</m:t>
+                              </m:r>
+                              <m:r>
+                                <a:rPr lang="en-US" i="1">
+                                  <a:latin typeface="Cambria Math" panose="02040503050406030204" pitchFamily="18" charset="0"/>
+                                </a:rPr>
+                                <m:t>⁡(</m:t>
+                              </m:r>
+                              <m:r>
+                                <a:rPr lang="en-US" i="1">
+                                  <a:latin typeface="Cambria Math" panose="02040503050406030204" pitchFamily="18" charset="0"/>
+                                </a:rPr>
+                                <m:t>𝑡</m:t>
+                              </m:r>
+                              <m:r>
+                                <a:rPr lang="en-US" i="1">
+                                  <a:latin typeface="Cambria Math" panose="02040503050406030204" pitchFamily="18" charset="0"/>
+                                </a:rPr>
+                                <m:t>)</m:t>
+                              </m:r>
+                            </m:num>
+                            <m:den>
+                              <m:r>
+                                <a:rPr lang="en-US" i="1">
+                                  <a:latin typeface="Cambria Math" panose="02040503050406030204" pitchFamily="18" charset="0"/>
+                                </a:rPr>
+                                <m:t>𝑡</m:t>
+                              </m:r>
+                            </m:den>
+                          </m:f>
+                        </m:e>
+                      </m:nary>
                     </m:oMath>
                   </m:oMathPara>
                 </a14:m>
-                <a:endParaRPr lang="en-US" sz="1600" b="0" dirty="0"/>
+                <a:endParaRPr lang="en-AU" dirty="0"/>
               </a:p>
               <a:p>
-                <a:endParaRPr lang="en-AU" sz="1600" dirty="0"/>
+                <a:pPr marL="0" indent="0">
+                  <a:buNone/>
+                </a:pPr>
+                <a:r>
+                  <a:rPr lang="en-AU" dirty="0"/>
+                  <a:t>To do this we need a </a:t>
+                </a:r>
+                <a:r>
+                  <a:rPr lang="en-AU" b="1" dirty="0"/>
+                  <a:t>step function</a:t>
+                </a:r>
+                <a:r>
+                  <a:rPr lang="en-AU" dirty="0"/>
+                  <a:t> which is a function that discretely steps through time [</a:t>
+                </a:r>
+                <a14:m>
+                  <m:oMath xmlns:m="http://schemas.openxmlformats.org/officeDocument/2006/math">
+                    <m:r>
+                      <m:rPr>
+                        <m:sty m:val="p"/>
+                      </m:rPr>
+                      <a:rPr lang="en-US" b="0" i="0" smtClean="0">
+                        <a:latin typeface="Cambria Math" panose="02040503050406030204" pitchFamily="18" charset="0"/>
+                      </a:rPr>
+                      <m:t>Δ</m:t>
+                    </m:r>
+                    <m:r>
+                      <a:rPr lang="en-US" b="0" i="1" smtClean="0">
+                        <a:latin typeface="Cambria Math" panose="02040503050406030204" pitchFamily="18" charset="0"/>
+                      </a:rPr>
+                      <m:t>𝑡</m:t>
+                    </m:r>
+                    <m:r>
+                      <a:rPr lang="en-US" b="0" i="0" smtClean="0">
+                        <a:latin typeface="Cambria Math" panose="02040503050406030204" pitchFamily="18" charset="0"/>
+                      </a:rPr>
+                      <m:t>]</m:t>
+                    </m:r>
+                  </m:oMath>
+                </a14:m>
+                <a:r>
+                  <a:rPr lang="en-AU" dirty="0"/>
+                  <a:t> and relates our </a:t>
+                </a:r>
+                <a:r>
+                  <a:rPr lang="en-AU" i="1" dirty="0"/>
+                  <a:t>past values of x </a:t>
+                </a:r>
+                <a:r>
+                  <a:rPr lang="en-AU" dirty="0"/>
+                  <a:t>[</a:t>
+                </a:r>
+                <a14:m>
+                  <m:oMath xmlns:m="http://schemas.openxmlformats.org/officeDocument/2006/math">
+                    <m:r>
+                      <a:rPr lang="en-US" b="0" i="1" smtClean="0">
+                        <a:latin typeface="Cambria Math" panose="02040503050406030204" pitchFamily="18" charset="0"/>
+                      </a:rPr>
+                      <m:t>𝑥</m:t>
+                    </m:r>
+                    <m:r>
+                      <a:rPr lang="en-US" b="0" i="0" smtClean="0">
+                        <a:latin typeface="Cambria Math" panose="02040503050406030204" pitchFamily="18" charset="0"/>
+                      </a:rPr>
+                      <m:t>(</m:t>
+                    </m:r>
+                    <m:sSub>
+                      <m:sSubPr>
+                        <m:ctrlPr>
+                          <a:rPr lang="en-US" b="0" i="0" smtClean="0">
+                            <a:latin typeface="Cambria Math" panose="02040503050406030204" pitchFamily="18" charset="0"/>
+                          </a:rPr>
+                        </m:ctrlPr>
+                      </m:sSubPr>
+                      <m:e>
+                        <m:r>
+                          <m:rPr>
+                            <m:sty m:val="p"/>
+                          </m:rPr>
+                          <a:rPr lang="en-US" b="0" i="0" smtClean="0">
+                            <a:latin typeface="Cambria Math" panose="02040503050406030204" pitchFamily="18" charset="0"/>
+                          </a:rPr>
+                          <m:t>t</m:t>
+                        </m:r>
+                      </m:e>
+                      <m:sub>
+                        <m:r>
+                          <m:rPr>
+                            <m:sty m:val="p"/>
+                          </m:rPr>
+                          <a:rPr lang="en-US" b="0" i="0" smtClean="0">
+                            <a:latin typeface="Cambria Math" panose="02040503050406030204" pitchFamily="18" charset="0"/>
+                          </a:rPr>
+                          <m:t>n</m:t>
+                        </m:r>
+                        <m:r>
+                          <a:rPr lang="en-US" b="0" i="0" smtClean="0">
+                            <a:latin typeface="Cambria Math" panose="02040503050406030204" pitchFamily="18" charset="0"/>
+                          </a:rPr>
+                          <m:t>−1</m:t>
+                        </m:r>
+                      </m:sub>
+                    </m:sSub>
+                    <m:r>
+                      <a:rPr lang="en-US" b="0" i="0" smtClean="0">
+                        <a:latin typeface="Cambria Math" panose="02040503050406030204" pitchFamily="18" charset="0"/>
+                      </a:rPr>
+                      <m:t>)</m:t>
+                    </m:r>
+                  </m:oMath>
+                </a14:m>
+                <a:r>
+                  <a:rPr lang="en-AU" dirty="0"/>
+                  <a:t>] to our </a:t>
+                </a:r>
+                <a:r>
+                  <a:rPr lang="en-AU" i="1" dirty="0"/>
+                  <a:t>current value of x </a:t>
+                </a:r>
+                <a:r>
+                  <a:rPr lang="en-AU" dirty="0"/>
+                  <a:t>[</a:t>
+                </a:r>
+                <a14:m>
+                  <m:oMath xmlns:m="http://schemas.openxmlformats.org/officeDocument/2006/math">
+                    <m:r>
+                      <a:rPr lang="en-US" i="1">
+                        <a:latin typeface="Cambria Math" panose="02040503050406030204" pitchFamily="18" charset="0"/>
+                      </a:rPr>
+                      <m:t>𝑥</m:t>
+                    </m:r>
+                    <m:r>
+                      <a:rPr lang="en-US">
+                        <a:latin typeface="Cambria Math" panose="02040503050406030204" pitchFamily="18" charset="0"/>
+                      </a:rPr>
+                      <m:t>(</m:t>
+                    </m:r>
+                    <m:sSub>
+                      <m:sSubPr>
+                        <m:ctrlPr>
+                          <a:rPr lang="en-US" i="1">
+                            <a:latin typeface="Cambria Math" panose="02040503050406030204" pitchFamily="18" charset="0"/>
+                          </a:rPr>
+                        </m:ctrlPr>
+                      </m:sSubPr>
+                      <m:e>
+                        <m:r>
+                          <m:rPr>
+                            <m:sty m:val="p"/>
+                          </m:rPr>
+                          <a:rPr lang="en-US">
+                            <a:latin typeface="Cambria Math" panose="02040503050406030204" pitchFamily="18" charset="0"/>
+                          </a:rPr>
+                          <m:t>t</m:t>
+                        </m:r>
+                      </m:e>
+                      <m:sub>
+                        <m:r>
+                          <m:rPr>
+                            <m:sty m:val="p"/>
+                          </m:rPr>
+                          <a:rPr lang="en-US">
+                            <a:latin typeface="Cambria Math" panose="02040503050406030204" pitchFamily="18" charset="0"/>
+                          </a:rPr>
+                          <m:t>n</m:t>
+                        </m:r>
+                      </m:sub>
+                    </m:sSub>
+                    <m:r>
+                      <a:rPr lang="en-US">
+                        <a:latin typeface="Cambria Math" panose="02040503050406030204" pitchFamily="18" charset="0"/>
+                      </a:rPr>
+                      <m:t>)</m:t>
+                    </m:r>
+                  </m:oMath>
+                </a14:m>
+                <a:r>
+                  <a:rPr lang="en-AU" dirty="0"/>
+                  <a:t>] all the way up to our final time T and its x value [</a:t>
+                </a:r>
+                <a14:m>
+                  <m:oMath xmlns:m="http://schemas.openxmlformats.org/officeDocument/2006/math">
+                    <m:r>
+                      <a:rPr lang="en-US" i="1">
+                        <a:latin typeface="Cambria Math" panose="02040503050406030204" pitchFamily="18" charset="0"/>
+                      </a:rPr>
+                      <m:t>𝑥</m:t>
+                    </m:r>
+                    <m:r>
+                      <a:rPr lang="en-US">
+                        <a:latin typeface="Cambria Math" panose="02040503050406030204" pitchFamily="18" charset="0"/>
+                      </a:rPr>
+                      <m:t>(</m:t>
+                    </m:r>
+                    <m:r>
+                      <m:rPr>
+                        <m:sty m:val="p"/>
+                      </m:rPr>
+                      <a:rPr lang="en-US" b="0" i="0" smtClean="0">
+                        <a:latin typeface="Cambria Math" panose="02040503050406030204" pitchFamily="18" charset="0"/>
+                      </a:rPr>
+                      <m:t>T</m:t>
+                    </m:r>
+                    <m:r>
+                      <a:rPr lang="en-US">
+                        <a:latin typeface="Cambria Math" panose="02040503050406030204" pitchFamily="18" charset="0"/>
+                      </a:rPr>
+                      <m:t>)</m:t>
+                    </m:r>
+                  </m:oMath>
+                </a14:m>
+                <a:r>
+                  <a:rPr lang="en-AU" dirty="0"/>
+                  <a:t>].</a:t>
+                </a:r>
+              </a:p>
+              <a:p>
+                <a:pPr marL="0" indent="0">
+                  <a:buNone/>
+                </a:pPr>
+                <a:r>
+                  <a:rPr lang="en-AU" dirty="0"/>
+                  <a:t>Using our step function, we can always evaluate </a:t>
+                </a:r>
+                <a14:m>
+                  <m:oMath xmlns:m="http://schemas.openxmlformats.org/officeDocument/2006/math">
+                    <m:r>
+                      <a:rPr lang="en-US" i="1">
+                        <a:latin typeface="Cambria Math" panose="02040503050406030204" pitchFamily="18" charset="0"/>
+                      </a:rPr>
+                      <m:t>𝑥</m:t>
+                    </m:r>
+                    <m:r>
+                      <a:rPr lang="en-US">
+                        <a:latin typeface="Cambria Math" panose="02040503050406030204" pitchFamily="18" charset="0"/>
+                      </a:rPr>
+                      <m:t>(</m:t>
+                    </m:r>
+                    <m:r>
+                      <m:rPr>
+                        <m:sty m:val="p"/>
+                      </m:rPr>
+                      <a:rPr lang="en-US" b="0" i="0" smtClean="0">
+                        <a:latin typeface="Cambria Math" panose="02040503050406030204" pitchFamily="18" charset="0"/>
+                      </a:rPr>
+                      <m:t>T</m:t>
+                    </m:r>
+                    <m:r>
+                      <a:rPr lang="en-US">
+                        <a:latin typeface="Cambria Math" panose="02040503050406030204" pitchFamily="18" charset="0"/>
+                      </a:rPr>
+                      <m:t>)</m:t>
+                    </m:r>
+                    <m:r>
+                      <a:rPr lang="en-US" i="1">
+                        <a:latin typeface="Cambria Math" panose="02040503050406030204" pitchFamily="18" charset="0"/>
+                      </a:rPr>
+                      <m:t> </m:t>
+                    </m:r>
+                  </m:oMath>
+                </a14:m>
+                <a:r>
+                  <a:rPr lang="en-AU" dirty="0"/>
+                  <a:t>by using our previous values of </a:t>
+                </a:r>
+                <a14:m>
+                  <m:oMath xmlns:m="http://schemas.openxmlformats.org/officeDocument/2006/math">
+                    <m:r>
+                      <a:rPr lang="en-US" b="0" i="1" smtClean="0">
+                        <a:latin typeface="Cambria Math" panose="02040503050406030204" pitchFamily="18" charset="0"/>
+                      </a:rPr>
+                      <m:t>𝑥</m:t>
+                    </m:r>
+                    <m:r>
+                      <a:rPr lang="en-US" b="0" i="0" smtClean="0">
+                        <a:latin typeface="Cambria Math" panose="02040503050406030204" pitchFamily="18" charset="0"/>
+                      </a:rPr>
+                      <m:t>(</m:t>
+                    </m:r>
+                    <m:r>
+                      <m:rPr>
+                        <m:sty m:val="p"/>
+                      </m:rPr>
+                      <a:rPr lang="en-US" b="0" i="0" smtClean="0">
+                        <a:latin typeface="Cambria Math" panose="02040503050406030204" pitchFamily="18" charset="0"/>
+                      </a:rPr>
+                      <m:t>t</m:t>
+                    </m:r>
+                    <m:r>
+                      <a:rPr lang="en-US" b="0" i="0" smtClean="0">
+                        <a:latin typeface="Cambria Math" panose="02040503050406030204" pitchFamily="18" charset="0"/>
+                      </a:rPr>
+                      <m:t>&lt;</m:t>
+                    </m:r>
+                    <m:r>
+                      <m:rPr>
+                        <m:sty m:val="p"/>
+                      </m:rPr>
+                      <a:rPr lang="en-US" b="0" i="0" smtClean="0">
+                        <a:latin typeface="Cambria Math" panose="02040503050406030204" pitchFamily="18" charset="0"/>
+                      </a:rPr>
+                      <m:t>T</m:t>
+                    </m:r>
+                    <m:r>
+                      <a:rPr lang="en-US" b="0" i="0" smtClean="0">
+                        <a:latin typeface="Cambria Math" panose="02040503050406030204" pitchFamily="18" charset="0"/>
+                      </a:rPr>
+                      <m:t>)</m:t>
+                    </m:r>
+                    <m:r>
+                      <a:rPr lang="en-US" b="0" i="1" smtClean="0">
+                        <a:latin typeface="Cambria Math" panose="02040503050406030204" pitchFamily="18" charset="0"/>
+                      </a:rPr>
+                      <m:t> </m:t>
+                    </m:r>
+                  </m:oMath>
+                </a14:m>
+                <a:r>
+                  <a:rPr lang="en-AU" dirty="0"/>
+                  <a:t>.</a:t>
+                </a:r>
+              </a:p>
+              <a:p>
+                <a:pPr marL="0" indent="0">
+                  <a:buNone/>
+                </a:pPr>
+                <a:r>
+                  <a:rPr lang="en-AU" dirty="0"/>
+                  <a:t>This is how iterative methods are done.</a:t>
+                </a:r>
               </a:p>
             </p:txBody>
           </p:sp>
@@ -7814,30 +8151,29 @@
         <mc:Fallback>
           <p:sp>
             <p:nvSpPr>
-              <p:cNvPr id="5" name="TextBox 4">
+              <p:cNvPr id="3" name="Content Placeholder 2">
                 <a:extLst>
                   <a:ext uri="{FF2B5EF4-FFF2-40B4-BE49-F238E27FC236}">
-                    <a16:creationId xmlns:a16="http://schemas.microsoft.com/office/drawing/2014/main" id="{E4DBFA57-BCA7-47B4-88BC-2CB87010690C}"/>
+                    <a16:creationId xmlns:a16="http://schemas.microsoft.com/office/drawing/2014/main" id="{B899D9F3-C194-4569-B82E-6402FFB7C27D}"/>
                   </a:ext>
                 </a:extLst>
               </p:cNvPr>
-              <p:cNvSpPr txBox="1">
-                <a:spLocks noRot="1" noChangeAspect="1" noMove="1" noResize="1" noEditPoints="1" noAdjustHandles="1" noChangeArrowheads="1" noChangeShapeType="1" noTextEdit="1"/>
+              <p:cNvSpPr>
+                <a:spLocks noGrp="1" noRot="1" noChangeAspect="1" noMove="1" noResize="1" noEditPoints="1" noAdjustHandles="1" noChangeArrowheads="1" noChangeShapeType="1" noTextEdit="1"/>
               </p:cNvSpPr>
-              <p:nvPr/>
+              <p:nvPr>
+                <p:ph idx="1"/>
+              </p:nvPr>
             </p:nvSpPr>
             <p:spPr>
               <a:xfrm>
-                <a:off x="3935760" y="1772816"/>
-                <a:ext cx="1195135" cy="715260"/>
+                <a:off x="1524000" y="1988840"/>
+                <a:ext cx="9144000" cy="4107160"/>
               </a:xfrm>
-              <a:prstGeom prst="rect">
-                <a:avLst/>
-              </a:prstGeom>
               <a:blipFill>
                 <a:blip r:embed="rId2"/>
                 <a:stretch>
-                  <a:fillRect/>
+                  <a:fillRect l="-667" t="-1484" r="-533"/>
                 </a:stretch>
               </a:blipFill>
             </p:spPr>
@@ -7869,7 +8205,7 @@
 </p:sld>
 </file>
 
-<file path=ppt/slides/slide9.xml><?xml version="1.0" encoding="utf-8"?>
+<file path=ppt/slides/slide8.xml><?xml version="1.0" encoding="utf-8"?>
 <p:sld xmlns:a="http://schemas.openxmlformats.org/drawingml/2006/main" xmlns:r="http://schemas.openxmlformats.org/officeDocument/2006/relationships" xmlns:p="http://schemas.openxmlformats.org/presentationml/2006/main">
   <p:cSld>
     <p:spTree>
@@ -7952,7 +8288,7 @@
             </a:pPr>
             <a:r>
               <a:rPr lang="en-AU" dirty="0"/>
-              <a:t>Let’s do a first order, finite-difference approximation of the derivative:</a:t>
+              <a:t>For our first step function lets use the finite-difference approximation of the derivative:</a:t>
             </a:r>
           </a:p>
           <a:p>
@@ -7993,8 +8329,8 @@
           </a:p>
         </p:txBody>
       </p:sp>
-      <mc:AlternateContent xmlns:mc="http://schemas.openxmlformats.org/markup-compatibility/2006">
-        <mc:Choice xmlns:a14="http://schemas.microsoft.com/office/drawing/2010/main" Requires="a14">
+      <mc:AlternateContent xmlns:mc="http://schemas.openxmlformats.org/markup-compatibility/2006" xmlns:a14="http://schemas.microsoft.com/office/drawing/2010/main">
+        <mc:Choice Requires="a14">
           <p:sp>
             <p:nvSpPr>
               <p:cNvPr id="8" name="TextBox 7">
@@ -8023,6 +8359,7 @@
               </a:bodyPr>
               <a:lstStyle/>
               <a:p>
+                <a:pPr/>
                 <a14:m>
                   <m:oMathPara xmlns:m="http://schemas.openxmlformats.org/officeDocument/2006/math">
                     <m:oMathParaPr>
@@ -8117,7 +8454,7 @@
             </p:txBody>
           </p:sp>
         </mc:Choice>
-        <mc:Fallback>
+        <mc:Fallback xmlns="">
           <p:sp>
             <p:nvSpPr>
               <p:cNvPr id="8" name="TextBox 7">
@@ -8437,8 +8774,8 @@
           </p:sp>
         </mc:Fallback>
       </mc:AlternateContent>
-      <mc:AlternateContent xmlns:mc="http://schemas.openxmlformats.org/markup-compatibility/2006">
-        <mc:Choice xmlns:a14="http://schemas.microsoft.com/office/drawing/2010/main" Requires="a14">
+      <mc:AlternateContent xmlns:mc="http://schemas.openxmlformats.org/markup-compatibility/2006" xmlns:a14="http://schemas.microsoft.com/office/drawing/2010/main">
+        <mc:Choice Requires="a14">
           <p:sp>
             <p:nvSpPr>
               <p:cNvPr id="11" name="TextBox 10">
@@ -8769,7 +9106,7 @@
             </p:txBody>
           </p:sp>
         </mc:Choice>
-        <mc:Fallback>
+        <mc:Fallback xmlns="">
           <p:sp>
             <p:nvSpPr>
               <p:cNvPr id="11" name="TextBox 10">
@@ -8814,8 +9151,8 @@
           </p:sp>
         </mc:Fallback>
       </mc:AlternateContent>
-      <mc:AlternateContent xmlns:mc="http://schemas.openxmlformats.org/markup-compatibility/2006">
-        <mc:Choice xmlns:a14="http://schemas.microsoft.com/office/drawing/2010/main" Requires="a14">
+      <mc:AlternateContent xmlns:mc="http://schemas.openxmlformats.org/markup-compatibility/2006" xmlns:a14="http://schemas.microsoft.com/office/drawing/2010/main">
+        <mc:Choice Requires="a14">
           <p:sp>
             <p:nvSpPr>
               <p:cNvPr id="12" name="TextBox 11">
@@ -9078,7 +9415,7 @@
             </p:txBody>
           </p:sp>
         </mc:Choice>
-        <mc:Fallback>
+        <mc:Fallback xmlns="">
           <p:sp>
             <p:nvSpPr>
               <p:cNvPr id="12" name="TextBox 11">
@@ -9127,6 +9464,177 @@
     <p:extLst>
       <p:ext uri="{BB962C8B-B14F-4D97-AF65-F5344CB8AC3E}">
         <p14:creationId xmlns:p14="http://schemas.microsoft.com/office/powerpoint/2010/main" val="51208511"/>
+      </p:ext>
+    </p:extLst>
+  </p:cSld>
+  <p:clrMapOvr>
+    <a:masterClrMapping/>
+  </p:clrMapOvr>
+</p:sld>
+</file>
+
+<file path=ppt/slides/slide9.xml><?xml version="1.0" encoding="utf-8"?>
+<p:sld xmlns:a="http://schemas.openxmlformats.org/drawingml/2006/main" xmlns:r="http://schemas.openxmlformats.org/officeDocument/2006/relationships" xmlns:p="http://schemas.openxmlformats.org/presentationml/2006/main">
+  <p:cSld>
+    <p:spTree>
+      <p:nvGrpSpPr>
+        <p:cNvPr id="1" name=""/>
+        <p:cNvGrpSpPr/>
+        <p:nvPr/>
+      </p:nvGrpSpPr>
+      <p:grpSpPr>
+        <a:xfrm>
+          <a:off x="0" y="0"/>
+          <a:ext cx="0" cy="0"/>
+          <a:chOff x="0" y="0"/>
+          <a:chExt cx="0" cy="0"/>
+        </a:xfrm>
+      </p:grpSpPr>
+      <p:sp>
+        <p:nvSpPr>
+          <p:cNvPr id="2" name="Title 1">
+            <a:extLst>
+              <a:ext uri="{FF2B5EF4-FFF2-40B4-BE49-F238E27FC236}">
+                <a16:creationId xmlns:a16="http://schemas.microsoft.com/office/drawing/2014/main" id="{037C434F-78E8-49C1-AC09-0B2CABEA34BA}"/>
+              </a:ext>
+            </a:extLst>
+          </p:cNvPr>
+          <p:cNvSpPr>
+            <a:spLocks noGrp="1"/>
+          </p:cNvSpPr>
+          <p:nvPr>
+            <p:ph type="title"/>
+          </p:nvPr>
+        </p:nvSpPr>
+        <p:spPr/>
+        <p:txBody>
+          <a:bodyPr/>
+          <a:lstStyle/>
+          <a:p>
+            <a:r>
+              <a:rPr lang="en-AU" dirty="0"/>
+              <a:t>Notes on step function</a:t>
+            </a:r>
+          </a:p>
+        </p:txBody>
+      </p:sp>
+      <p:sp>
+        <p:nvSpPr>
+          <p:cNvPr id="3" name="Content Placeholder 2">
+            <a:extLst>
+              <a:ext uri="{FF2B5EF4-FFF2-40B4-BE49-F238E27FC236}">
+                <a16:creationId xmlns:a16="http://schemas.microsoft.com/office/drawing/2014/main" id="{BA271C65-D345-42D7-9DC8-587C1503FB6A}"/>
+              </a:ext>
+            </a:extLst>
+          </p:cNvPr>
+          <p:cNvSpPr>
+            <a:spLocks noGrp="1"/>
+          </p:cNvSpPr>
+          <p:nvPr>
+            <p:ph idx="1"/>
+          </p:nvPr>
+        </p:nvSpPr>
+        <p:spPr/>
+        <p:txBody>
+          <a:bodyPr/>
+          <a:lstStyle/>
+          <a:p>
+            <a:pPr marL="0" indent="0">
+              <a:buNone/>
+            </a:pPr>
+            <a:r>
+              <a:rPr lang="en-AU" dirty="0"/>
+              <a:t>Obviously this is more accurate at small timesteps (delta t)!</a:t>
+            </a:r>
+          </a:p>
+          <a:p>
+            <a:pPr marL="0" indent="0">
+              <a:buNone/>
+            </a:pPr>
+            <a:r>
+              <a:rPr lang="en-AU" dirty="0"/>
+              <a:t>There are better numerical approximations of derivatives out there, I have used the simplest one (backward difference or backward Euler method). </a:t>
+            </a:r>
+          </a:p>
+          <a:p>
+            <a:pPr marL="0" indent="0">
+              <a:buNone/>
+            </a:pPr>
+            <a:endParaRPr lang="en-AU" dirty="0"/>
+          </a:p>
+        </p:txBody>
+      </p:sp>
+      <p:pic>
+        <p:nvPicPr>
+          <p:cNvPr id="1026" name="Picture 2">
+            <a:extLst>
+              <a:ext uri="{FF2B5EF4-FFF2-40B4-BE49-F238E27FC236}">
+                <a16:creationId xmlns:a16="http://schemas.microsoft.com/office/drawing/2014/main" id="{C6FCDEC5-3B5F-40DA-9E2A-C2CC2344D017}"/>
+              </a:ext>
+            </a:extLst>
+          </p:cNvPr>
+          <p:cNvPicPr>
+            <a:picLocks noChangeAspect="1" noChangeArrowheads="1"/>
+          </p:cNvPicPr>
+          <p:nvPr/>
+        </p:nvPicPr>
+        <p:blipFill>
+          <a:blip r:embed="rId2" cstate="print">
+            <a:extLst>
+              <a:ext uri="{28A0092B-C50C-407E-A947-70E740481C1C}">
+                <a14:useLocalDpi xmlns:a14="http://schemas.microsoft.com/office/drawing/2010/main" val="0"/>
+              </a:ext>
+            </a:extLst>
+          </a:blip>
+          <a:srcRect/>
+          <a:stretch>
+            <a:fillRect/>
+          </a:stretch>
+        </p:blipFill>
+        <p:spPr bwMode="auto">
+          <a:xfrm>
+            <a:off x="3647728" y="3284984"/>
+            <a:ext cx="4896544" cy="3297438"/>
+          </a:xfrm>
+          <a:prstGeom prst="rect">
+            <a:avLst/>
+          </a:prstGeom>
+          <a:solidFill>
+            <a:srgbClr val="FFFFFF">
+              <a:shade val="85000"/>
+            </a:srgbClr>
+          </a:solidFill>
+          <a:ln w="88900" cap="sq">
+            <a:solidFill>
+              <a:srgbClr val="FFFFFF"/>
+            </a:solidFill>
+            <a:miter lim="800000"/>
+          </a:ln>
+          <a:effectLst>
+            <a:outerShdw blurRad="55000" dist="18000" dir="5400000" algn="tl" rotWithShape="0">
+              <a:srgbClr val="000000">
+                <a:alpha val="40000"/>
+              </a:srgbClr>
+            </a:outerShdw>
+          </a:effectLst>
+          <a:scene3d>
+            <a:camera prst="orthographicFront"/>
+            <a:lightRig rig="twoPt" dir="t">
+              <a:rot lat="0" lon="0" rev="7200000"/>
+            </a:lightRig>
+          </a:scene3d>
+          <a:sp3d>
+            <a:bevelT w="25400" h="19050"/>
+            <a:contourClr>
+              <a:srgbClr val="FFFFFF"/>
+            </a:contourClr>
+          </a:sp3d>
+        </p:spPr>
+      </p:pic>
+    </p:spTree>
+    <p:extLst>
+      <p:ext uri="{BB962C8B-B14F-4D97-AF65-F5344CB8AC3E}">
+        <p14:creationId xmlns:p14="http://schemas.microsoft.com/office/powerpoint/2010/main" val="3413653316"/>
       </p:ext>
     </p:extLst>
   </p:cSld>
@@ -9920,132 +10428,6 @@
 </file>
 
 <file path=customXml/item1.xml><?xml version="1.0" encoding="utf-8"?>
-<p:properties xmlns:p="http://schemas.microsoft.com/office/2006/metadata/properties" xmlns:xsi="http://www.w3.org/2001/XMLSchema-instance" xmlns:pc="http://schemas.microsoft.com/office/infopath/2007/PartnerControls">
-  <documentManagement>
-    <DirectSourceMarket xmlns="4873beb7-5857-4685-be1f-d57550cc96cc" xsi:nil="true"/>
-    <ApprovalStatus xmlns="4873beb7-5857-4685-be1f-d57550cc96cc">InProgress</ApprovalStatus>
-    <MarketSpecific xmlns="4873beb7-5857-4685-be1f-d57550cc96cc">false</MarketSpecific>
-    <LocComments xmlns="4873beb7-5857-4685-be1f-d57550cc96cc" xsi:nil="true"/>
-    <ThumbnailAssetId xmlns="4873beb7-5857-4685-be1f-d57550cc96cc" xsi:nil="true"/>
-    <PrimaryImageGen xmlns="4873beb7-5857-4685-be1f-d57550cc96cc">true</PrimaryImageGen>
-    <LegacyData xmlns="4873beb7-5857-4685-be1f-d57550cc96cc" xsi:nil="true"/>
-    <LocRecommendedHandoff xmlns="4873beb7-5857-4685-be1f-d57550cc96cc" xsi:nil="true"/>
-    <BusinessGroup xmlns="4873beb7-5857-4685-be1f-d57550cc96cc" xsi:nil="true"/>
-    <BlockPublish xmlns="4873beb7-5857-4685-be1f-d57550cc96cc">false</BlockPublish>
-    <TPFriendlyName xmlns="4873beb7-5857-4685-be1f-d57550cc96cc" xsi:nil="true"/>
-    <NumericId xmlns="4873beb7-5857-4685-be1f-d57550cc96cc" xsi:nil="true"/>
-    <APEditor xmlns="4873beb7-5857-4685-be1f-d57550cc96cc">
-      <UserInfo>
-        <DisplayName/>
-        <AccountId xsi:nil="true"/>
-        <AccountType/>
-      </UserInfo>
-    </APEditor>
-    <SourceTitle xmlns="4873beb7-5857-4685-be1f-d57550cc96cc" xsi:nil="true"/>
-    <OpenTemplate xmlns="4873beb7-5857-4685-be1f-d57550cc96cc">true</OpenTemplate>
-    <UALocComments xmlns="4873beb7-5857-4685-be1f-d57550cc96cc" xsi:nil="true"/>
-    <ParentAssetId xmlns="4873beb7-5857-4685-be1f-d57550cc96cc" xsi:nil="true"/>
-    <IntlLangReviewDate xmlns="4873beb7-5857-4685-be1f-d57550cc96cc" xsi:nil="true"/>
-    <FeatureTagsTaxHTField0 xmlns="4873beb7-5857-4685-be1f-d57550cc96cc">
-      <Terms xmlns="http://schemas.microsoft.com/office/infopath/2007/PartnerControls"/>
-    </FeatureTagsTaxHTField0>
-    <PublishStatusLookup xmlns="4873beb7-5857-4685-be1f-d57550cc96cc">
-      <Value>1566889</Value>
-    </PublishStatusLookup>
-    <Providers xmlns="4873beb7-5857-4685-be1f-d57550cc96cc" xsi:nil="true"/>
-    <MachineTranslated xmlns="4873beb7-5857-4685-be1f-d57550cc96cc">false</MachineTranslated>
-    <OriginalSourceMarket xmlns="4873beb7-5857-4685-be1f-d57550cc96cc" xsi:nil="true"/>
-    <APDescription xmlns="4873beb7-5857-4685-be1f-d57550cc96cc" xsi:nil="true"/>
-    <ClipArtFilename xmlns="4873beb7-5857-4685-be1f-d57550cc96cc" xsi:nil="true"/>
-    <ContentItem xmlns="4873beb7-5857-4685-be1f-d57550cc96cc" xsi:nil="true"/>
-    <TPInstallLocation xmlns="4873beb7-5857-4685-be1f-d57550cc96cc" xsi:nil="true"/>
-    <PublishTargets xmlns="4873beb7-5857-4685-be1f-d57550cc96cc">OfficeOnlineVNext</PublishTargets>
-    <TimesCloned xmlns="4873beb7-5857-4685-be1f-d57550cc96cc" xsi:nil="true"/>
-    <AssetStart xmlns="4873beb7-5857-4685-be1f-d57550cc96cc">2012-05-23T08:44:00+00:00</AssetStart>
-    <Provider xmlns="4873beb7-5857-4685-be1f-d57550cc96cc" xsi:nil="true"/>
-    <AcquiredFrom xmlns="4873beb7-5857-4685-be1f-d57550cc96cc">Internal MS</AcquiredFrom>
-    <FriendlyTitle xmlns="4873beb7-5857-4685-be1f-d57550cc96cc" xsi:nil="true"/>
-    <LastHandOff xmlns="4873beb7-5857-4685-be1f-d57550cc96cc" xsi:nil="true"/>
-    <TPClientViewer xmlns="4873beb7-5857-4685-be1f-d57550cc96cc" xsi:nil="true"/>
-    <UACurrentWords xmlns="4873beb7-5857-4685-be1f-d57550cc96cc" xsi:nil="true"/>
-    <ArtSampleDocs xmlns="4873beb7-5857-4685-be1f-d57550cc96cc" xsi:nil="true"/>
-    <UALocRecommendation xmlns="4873beb7-5857-4685-be1f-d57550cc96cc">Localize</UALocRecommendation>
-    <Manager xmlns="4873beb7-5857-4685-be1f-d57550cc96cc" xsi:nil="true"/>
-    <ShowIn xmlns="4873beb7-5857-4685-be1f-d57550cc96cc">Show everywhere</ShowIn>
-    <UANotes xmlns="4873beb7-5857-4685-be1f-d57550cc96cc" xsi:nil="true"/>
-    <TemplateStatus xmlns="4873beb7-5857-4685-be1f-d57550cc96cc">Complete</TemplateStatus>
-    <InternalTagsTaxHTField0 xmlns="4873beb7-5857-4685-be1f-d57550cc96cc">
-      <Terms xmlns="http://schemas.microsoft.com/office/infopath/2007/PartnerControls"/>
-    </InternalTagsTaxHTField0>
-    <CSXHash xmlns="4873beb7-5857-4685-be1f-d57550cc96cc" xsi:nil="true"/>
-    <Downloads xmlns="4873beb7-5857-4685-be1f-d57550cc96cc">0</Downloads>
-    <VoteCount xmlns="4873beb7-5857-4685-be1f-d57550cc96cc" xsi:nil="true"/>
-    <OOCacheId xmlns="4873beb7-5857-4685-be1f-d57550cc96cc" xsi:nil="true"/>
-    <IsDeleted xmlns="4873beb7-5857-4685-be1f-d57550cc96cc">false</IsDeleted>
-    <AssetExpire xmlns="4873beb7-5857-4685-be1f-d57550cc96cc">2029-01-01T08:00:00+00:00</AssetExpire>
-    <DSATActionTaken xmlns="4873beb7-5857-4685-be1f-d57550cc96cc" xsi:nil="true"/>
-    <CSXSubmissionMarket xmlns="4873beb7-5857-4685-be1f-d57550cc96cc" xsi:nil="true"/>
-    <TPExecutable xmlns="4873beb7-5857-4685-be1f-d57550cc96cc" xsi:nil="true"/>
-    <SubmitterId xmlns="4873beb7-5857-4685-be1f-d57550cc96cc" xsi:nil="true"/>
-    <EditorialTags xmlns="4873beb7-5857-4685-be1f-d57550cc96cc" xsi:nil="true"/>
-    <ApprovalLog xmlns="4873beb7-5857-4685-be1f-d57550cc96cc" xsi:nil="true"/>
-    <AssetType xmlns="4873beb7-5857-4685-be1f-d57550cc96cc">TP</AssetType>
-    <BugNumber xmlns="4873beb7-5857-4685-be1f-d57550cc96cc" xsi:nil="true"/>
-    <CSXSubmissionDate xmlns="4873beb7-5857-4685-be1f-d57550cc96cc" xsi:nil="true"/>
-    <CSXUpdate xmlns="4873beb7-5857-4685-be1f-d57550cc96cc">false</CSXUpdate>
-    <Milestone xmlns="4873beb7-5857-4685-be1f-d57550cc96cc" xsi:nil="true"/>
-    <RecommendationsModifier xmlns="4873beb7-5857-4685-be1f-d57550cc96cc" xsi:nil="true"/>
-    <OriginAsset xmlns="4873beb7-5857-4685-be1f-d57550cc96cc" xsi:nil="true"/>
-    <TPComponent xmlns="4873beb7-5857-4685-be1f-d57550cc96cc" xsi:nil="true"/>
-    <AssetId xmlns="4873beb7-5857-4685-be1f-d57550cc96cc">TP102901017</AssetId>
-    <IntlLocPriority xmlns="4873beb7-5857-4685-be1f-d57550cc96cc" xsi:nil="true"/>
-    <PolicheckWords xmlns="4873beb7-5857-4685-be1f-d57550cc96cc" xsi:nil="true"/>
-    <TPLaunchHelpLink xmlns="4873beb7-5857-4685-be1f-d57550cc96cc" xsi:nil="true"/>
-    <TPApplication xmlns="4873beb7-5857-4685-be1f-d57550cc96cc" xsi:nil="true"/>
-    <CrawlForDependencies xmlns="4873beb7-5857-4685-be1f-d57550cc96cc">false</CrawlForDependencies>
-    <HandoffToMSDN xmlns="4873beb7-5857-4685-be1f-d57550cc96cc" xsi:nil="true"/>
-    <PlannedPubDate xmlns="4873beb7-5857-4685-be1f-d57550cc96cc" xsi:nil="true"/>
-    <IntlLangReviewer xmlns="4873beb7-5857-4685-be1f-d57550cc96cc" xsi:nil="true"/>
-    <TrustLevel xmlns="4873beb7-5857-4685-be1f-d57550cc96cc">1 Microsoft Managed Content</TrustLevel>
-    <LocLastLocAttemptVersionLookup xmlns="4873beb7-5857-4685-be1f-d57550cc96cc">836753</LocLastLocAttemptVersionLookup>
-    <IsSearchable xmlns="4873beb7-5857-4685-be1f-d57550cc96cc">true</IsSearchable>
-    <TemplateTemplateType xmlns="4873beb7-5857-4685-be1f-d57550cc96cc">PowerPoint Design Template</TemplateTemplateType>
-    <CampaignTagsTaxHTField0 xmlns="4873beb7-5857-4685-be1f-d57550cc96cc">
-      <Terms xmlns="http://schemas.microsoft.com/office/infopath/2007/PartnerControls"/>
-    </CampaignTagsTaxHTField0>
-    <TPNamespace xmlns="4873beb7-5857-4685-be1f-d57550cc96cc" xsi:nil="true"/>
-    <TaxCatchAll xmlns="4873beb7-5857-4685-be1f-d57550cc96cc"/>
-    <Markets xmlns="4873beb7-5857-4685-be1f-d57550cc96cc"/>
-    <UAProjectedTotalWords xmlns="4873beb7-5857-4685-be1f-d57550cc96cc" xsi:nil="true"/>
-    <IntlLangReview xmlns="4873beb7-5857-4685-be1f-d57550cc96cc">false</IntlLangReview>
-    <OutputCachingOn xmlns="4873beb7-5857-4685-be1f-d57550cc96cc">false</OutputCachingOn>
-    <AverageRating xmlns="4873beb7-5857-4685-be1f-d57550cc96cc" xsi:nil="true"/>
-    <APAuthor xmlns="4873beb7-5857-4685-be1f-d57550cc96cc">
-      <UserInfo>
-        <DisplayName>REDMOND\v-anij</DisplayName>
-        <AccountId>2469</AccountId>
-        <AccountType/>
-      </UserInfo>
-    </APAuthor>
-    <LocManualTestRequired xmlns="4873beb7-5857-4685-be1f-d57550cc96cc">false</LocManualTestRequired>
-    <TPCommandLine xmlns="4873beb7-5857-4685-be1f-d57550cc96cc" xsi:nil="true"/>
-    <TPAppVersion xmlns="4873beb7-5857-4685-be1f-d57550cc96cc" xsi:nil="true"/>
-    <EditorialStatus xmlns="4873beb7-5857-4685-be1f-d57550cc96cc">Complete</EditorialStatus>
-    <LastModifiedDateTime xmlns="4873beb7-5857-4685-be1f-d57550cc96cc" xsi:nil="true"/>
-    <ScenarioTagsTaxHTField0 xmlns="4873beb7-5857-4685-be1f-d57550cc96cc">
-      <Terms xmlns="http://schemas.microsoft.com/office/infopath/2007/PartnerControls"/>
-    </ScenarioTagsTaxHTField0>
-    <OriginalRelease xmlns="4873beb7-5857-4685-be1f-d57550cc96cc">15</OriginalRelease>
-    <TPLaunchHelpLinkType xmlns="4873beb7-5857-4685-be1f-d57550cc96cc">Template</TPLaunchHelpLinkType>
-    <LocalizationTagsTaxHTField0 xmlns="4873beb7-5857-4685-be1f-d57550cc96cc">
-      <Terms xmlns="http://schemas.microsoft.com/office/infopath/2007/PartnerControls"/>
-    </LocalizationTagsTaxHTField0>
-    <LocMarketGroupTiers2 xmlns="4873beb7-5857-4685-be1f-d57550cc96cc" xsi:nil="true"/>
-  </documentManagement>
-</p:properties>
-</file>
-
-<file path=customXml/item2.xml><?xml version="1.0" encoding="utf-8"?>
 <ct:contentTypeSchema xmlns:ct="http://schemas.microsoft.com/office/2006/metadata/contentType" xmlns:ma="http://schemas.microsoft.com/office/2006/metadata/properties/metaAttributes" ct:_="" ma:_="" ma:contentTypeName="TemplateFile" ma:contentTypeID="0x0101006EDDDB5EE6D98C44930B742096920B300400F5B6D36B3EF94B4E9A635CDF2A18F5B8" ma:contentTypeVersion="72" ma:contentTypeDescription="Create a new document." ma:contentTypeScope="" ma:versionID="a23e56308344d904b51738559c3d67c9">
   <xsd:schema xmlns:xsd="http://www.w3.org/2001/XMLSchema" xmlns:xs="http://www.w3.org/2001/XMLSchema" xmlns:p="http://schemas.microsoft.com/office/2006/metadata/properties" xmlns:ns2="4873beb7-5857-4685-be1f-d57550cc96cc" targetNamespace="http://schemas.microsoft.com/office/2006/metadata/properties" ma:root="true" ma:fieldsID="cd0908cc4600e77bf5da051303e00c8d" ns2:_="">
     <xsd:import namespace="4873beb7-5857-4685-be1f-d57550cc96cc"/>
@@ -11085,6 +11467,132 @@
 </ct:contentTypeSchema>
 </file>
 
+<file path=customXml/item2.xml><?xml version="1.0" encoding="utf-8"?>
+<p:properties xmlns:p="http://schemas.microsoft.com/office/2006/metadata/properties" xmlns:xsi="http://www.w3.org/2001/XMLSchema-instance" xmlns:pc="http://schemas.microsoft.com/office/infopath/2007/PartnerControls">
+  <documentManagement>
+    <DirectSourceMarket xmlns="4873beb7-5857-4685-be1f-d57550cc96cc" xsi:nil="true"/>
+    <ApprovalStatus xmlns="4873beb7-5857-4685-be1f-d57550cc96cc">InProgress</ApprovalStatus>
+    <MarketSpecific xmlns="4873beb7-5857-4685-be1f-d57550cc96cc">false</MarketSpecific>
+    <LocComments xmlns="4873beb7-5857-4685-be1f-d57550cc96cc" xsi:nil="true"/>
+    <ThumbnailAssetId xmlns="4873beb7-5857-4685-be1f-d57550cc96cc" xsi:nil="true"/>
+    <PrimaryImageGen xmlns="4873beb7-5857-4685-be1f-d57550cc96cc">true</PrimaryImageGen>
+    <LegacyData xmlns="4873beb7-5857-4685-be1f-d57550cc96cc" xsi:nil="true"/>
+    <LocRecommendedHandoff xmlns="4873beb7-5857-4685-be1f-d57550cc96cc" xsi:nil="true"/>
+    <BusinessGroup xmlns="4873beb7-5857-4685-be1f-d57550cc96cc" xsi:nil="true"/>
+    <BlockPublish xmlns="4873beb7-5857-4685-be1f-d57550cc96cc">false</BlockPublish>
+    <TPFriendlyName xmlns="4873beb7-5857-4685-be1f-d57550cc96cc" xsi:nil="true"/>
+    <NumericId xmlns="4873beb7-5857-4685-be1f-d57550cc96cc" xsi:nil="true"/>
+    <APEditor xmlns="4873beb7-5857-4685-be1f-d57550cc96cc">
+      <UserInfo>
+        <DisplayName/>
+        <AccountId xsi:nil="true"/>
+        <AccountType/>
+      </UserInfo>
+    </APEditor>
+    <SourceTitle xmlns="4873beb7-5857-4685-be1f-d57550cc96cc" xsi:nil="true"/>
+    <OpenTemplate xmlns="4873beb7-5857-4685-be1f-d57550cc96cc">true</OpenTemplate>
+    <UALocComments xmlns="4873beb7-5857-4685-be1f-d57550cc96cc" xsi:nil="true"/>
+    <ParentAssetId xmlns="4873beb7-5857-4685-be1f-d57550cc96cc" xsi:nil="true"/>
+    <IntlLangReviewDate xmlns="4873beb7-5857-4685-be1f-d57550cc96cc" xsi:nil="true"/>
+    <FeatureTagsTaxHTField0 xmlns="4873beb7-5857-4685-be1f-d57550cc96cc">
+      <Terms xmlns="http://schemas.microsoft.com/office/infopath/2007/PartnerControls"/>
+    </FeatureTagsTaxHTField0>
+    <PublishStatusLookup xmlns="4873beb7-5857-4685-be1f-d57550cc96cc">
+      <Value>1566889</Value>
+    </PublishStatusLookup>
+    <Providers xmlns="4873beb7-5857-4685-be1f-d57550cc96cc" xsi:nil="true"/>
+    <MachineTranslated xmlns="4873beb7-5857-4685-be1f-d57550cc96cc">false</MachineTranslated>
+    <OriginalSourceMarket xmlns="4873beb7-5857-4685-be1f-d57550cc96cc" xsi:nil="true"/>
+    <APDescription xmlns="4873beb7-5857-4685-be1f-d57550cc96cc" xsi:nil="true"/>
+    <ClipArtFilename xmlns="4873beb7-5857-4685-be1f-d57550cc96cc" xsi:nil="true"/>
+    <ContentItem xmlns="4873beb7-5857-4685-be1f-d57550cc96cc" xsi:nil="true"/>
+    <TPInstallLocation xmlns="4873beb7-5857-4685-be1f-d57550cc96cc" xsi:nil="true"/>
+    <PublishTargets xmlns="4873beb7-5857-4685-be1f-d57550cc96cc">OfficeOnlineVNext</PublishTargets>
+    <TimesCloned xmlns="4873beb7-5857-4685-be1f-d57550cc96cc" xsi:nil="true"/>
+    <AssetStart xmlns="4873beb7-5857-4685-be1f-d57550cc96cc">2012-05-23T08:44:00+00:00</AssetStart>
+    <Provider xmlns="4873beb7-5857-4685-be1f-d57550cc96cc" xsi:nil="true"/>
+    <AcquiredFrom xmlns="4873beb7-5857-4685-be1f-d57550cc96cc">Internal MS</AcquiredFrom>
+    <FriendlyTitle xmlns="4873beb7-5857-4685-be1f-d57550cc96cc" xsi:nil="true"/>
+    <LastHandOff xmlns="4873beb7-5857-4685-be1f-d57550cc96cc" xsi:nil="true"/>
+    <TPClientViewer xmlns="4873beb7-5857-4685-be1f-d57550cc96cc" xsi:nil="true"/>
+    <UACurrentWords xmlns="4873beb7-5857-4685-be1f-d57550cc96cc" xsi:nil="true"/>
+    <ArtSampleDocs xmlns="4873beb7-5857-4685-be1f-d57550cc96cc" xsi:nil="true"/>
+    <UALocRecommendation xmlns="4873beb7-5857-4685-be1f-d57550cc96cc">Localize</UALocRecommendation>
+    <Manager xmlns="4873beb7-5857-4685-be1f-d57550cc96cc" xsi:nil="true"/>
+    <ShowIn xmlns="4873beb7-5857-4685-be1f-d57550cc96cc">Show everywhere</ShowIn>
+    <UANotes xmlns="4873beb7-5857-4685-be1f-d57550cc96cc" xsi:nil="true"/>
+    <TemplateStatus xmlns="4873beb7-5857-4685-be1f-d57550cc96cc">Complete</TemplateStatus>
+    <InternalTagsTaxHTField0 xmlns="4873beb7-5857-4685-be1f-d57550cc96cc">
+      <Terms xmlns="http://schemas.microsoft.com/office/infopath/2007/PartnerControls"/>
+    </InternalTagsTaxHTField0>
+    <CSXHash xmlns="4873beb7-5857-4685-be1f-d57550cc96cc" xsi:nil="true"/>
+    <Downloads xmlns="4873beb7-5857-4685-be1f-d57550cc96cc">0</Downloads>
+    <VoteCount xmlns="4873beb7-5857-4685-be1f-d57550cc96cc" xsi:nil="true"/>
+    <OOCacheId xmlns="4873beb7-5857-4685-be1f-d57550cc96cc" xsi:nil="true"/>
+    <IsDeleted xmlns="4873beb7-5857-4685-be1f-d57550cc96cc">false</IsDeleted>
+    <AssetExpire xmlns="4873beb7-5857-4685-be1f-d57550cc96cc">2029-01-01T08:00:00+00:00</AssetExpire>
+    <DSATActionTaken xmlns="4873beb7-5857-4685-be1f-d57550cc96cc" xsi:nil="true"/>
+    <CSXSubmissionMarket xmlns="4873beb7-5857-4685-be1f-d57550cc96cc" xsi:nil="true"/>
+    <TPExecutable xmlns="4873beb7-5857-4685-be1f-d57550cc96cc" xsi:nil="true"/>
+    <SubmitterId xmlns="4873beb7-5857-4685-be1f-d57550cc96cc" xsi:nil="true"/>
+    <EditorialTags xmlns="4873beb7-5857-4685-be1f-d57550cc96cc" xsi:nil="true"/>
+    <ApprovalLog xmlns="4873beb7-5857-4685-be1f-d57550cc96cc" xsi:nil="true"/>
+    <AssetType xmlns="4873beb7-5857-4685-be1f-d57550cc96cc">TP</AssetType>
+    <BugNumber xmlns="4873beb7-5857-4685-be1f-d57550cc96cc" xsi:nil="true"/>
+    <CSXSubmissionDate xmlns="4873beb7-5857-4685-be1f-d57550cc96cc" xsi:nil="true"/>
+    <CSXUpdate xmlns="4873beb7-5857-4685-be1f-d57550cc96cc">false</CSXUpdate>
+    <Milestone xmlns="4873beb7-5857-4685-be1f-d57550cc96cc" xsi:nil="true"/>
+    <RecommendationsModifier xmlns="4873beb7-5857-4685-be1f-d57550cc96cc" xsi:nil="true"/>
+    <OriginAsset xmlns="4873beb7-5857-4685-be1f-d57550cc96cc" xsi:nil="true"/>
+    <TPComponent xmlns="4873beb7-5857-4685-be1f-d57550cc96cc" xsi:nil="true"/>
+    <AssetId xmlns="4873beb7-5857-4685-be1f-d57550cc96cc">TP102901017</AssetId>
+    <IntlLocPriority xmlns="4873beb7-5857-4685-be1f-d57550cc96cc" xsi:nil="true"/>
+    <PolicheckWords xmlns="4873beb7-5857-4685-be1f-d57550cc96cc" xsi:nil="true"/>
+    <TPLaunchHelpLink xmlns="4873beb7-5857-4685-be1f-d57550cc96cc" xsi:nil="true"/>
+    <TPApplication xmlns="4873beb7-5857-4685-be1f-d57550cc96cc" xsi:nil="true"/>
+    <CrawlForDependencies xmlns="4873beb7-5857-4685-be1f-d57550cc96cc">false</CrawlForDependencies>
+    <HandoffToMSDN xmlns="4873beb7-5857-4685-be1f-d57550cc96cc" xsi:nil="true"/>
+    <PlannedPubDate xmlns="4873beb7-5857-4685-be1f-d57550cc96cc" xsi:nil="true"/>
+    <IntlLangReviewer xmlns="4873beb7-5857-4685-be1f-d57550cc96cc" xsi:nil="true"/>
+    <TrustLevel xmlns="4873beb7-5857-4685-be1f-d57550cc96cc">1 Microsoft Managed Content</TrustLevel>
+    <LocLastLocAttemptVersionLookup xmlns="4873beb7-5857-4685-be1f-d57550cc96cc">836753</LocLastLocAttemptVersionLookup>
+    <IsSearchable xmlns="4873beb7-5857-4685-be1f-d57550cc96cc">true</IsSearchable>
+    <TemplateTemplateType xmlns="4873beb7-5857-4685-be1f-d57550cc96cc">PowerPoint Design Template</TemplateTemplateType>
+    <CampaignTagsTaxHTField0 xmlns="4873beb7-5857-4685-be1f-d57550cc96cc">
+      <Terms xmlns="http://schemas.microsoft.com/office/infopath/2007/PartnerControls"/>
+    </CampaignTagsTaxHTField0>
+    <TPNamespace xmlns="4873beb7-5857-4685-be1f-d57550cc96cc" xsi:nil="true"/>
+    <TaxCatchAll xmlns="4873beb7-5857-4685-be1f-d57550cc96cc"/>
+    <Markets xmlns="4873beb7-5857-4685-be1f-d57550cc96cc"/>
+    <UAProjectedTotalWords xmlns="4873beb7-5857-4685-be1f-d57550cc96cc" xsi:nil="true"/>
+    <IntlLangReview xmlns="4873beb7-5857-4685-be1f-d57550cc96cc">false</IntlLangReview>
+    <OutputCachingOn xmlns="4873beb7-5857-4685-be1f-d57550cc96cc">false</OutputCachingOn>
+    <AverageRating xmlns="4873beb7-5857-4685-be1f-d57550cc96cc" xsi:nil="true"/>
+    <APAuthor xmlns="4873beb7-5857-4685-be1f-d57550cc96cc">
+      <UserInfo>
+        <DisplayName>REDMOND\v-anij</DisplayName>
+        <AccountId>2469</AccountId>
+        <AccountType/>
+      </UserInfo>
+    </APAuthor>
+    <LocManualTestRequired xmlns="4873beb7-5857-4685-be1f-d57550cc96cc">false</LocManualTestRequired>
+    <TPCommandLine xmlns="4873beb7-5857-4685-be1f-d57550cc96cc" xsi:nil="true"/>
+    <TPAppVersion xmlns="4873beb7-5857-4685-be1f-d57550cc96cc" xsi:nil="true"/>
+    <EditorialStatus xmlns="4873beb7-5857-4685-be1f-d57550cc96cc">Complete</EditorialStatus>
+    <LastModifiedDateTime xmlns="4873beb7-5857-4685-be1f-d57550cc96cc" xsi:nil="true"/>
+    <ScenarioTagsTaxHTField0 xmlns="4873beb7-5857-4685-be1f-d57550cc96cc">
+      <Terms xmlns="http://schemas.microsoft.com/office/infopath/2007/PartnerControls"/>
+    </ScenarioTagsTaxHTField0>
+    <OriginalRelease xmlns="4873beb7-5857-4685-be1f-d57550cc96cc">15</OriginalRelease>
+    <TPLaunchHelpLinkType xmlns="4873beb7-5857-4685-be1f-d57550cc96cc">Template</TPLaunchHelpLinkType>
+    <LocalizationTagsTaxHTField0 xmlns="4873beb7-5857-4685-be1f-d57550cc96cc">
+      <Terms xmlns="http://schemas.microsoft.com/office/infopath/2007/PartnerControls"/>
+    </LocalizationTagsTaxHTField0>
+    <LocMarketGroupTiers2 xmlns="4873beb7-5857-4685-be1f-d57550cc96cc" xsi:nil="true"/>
+  </documentManagement>
+</p:properties>
+</file>
+
 <file path=customXml/item3.xml><?xml version="1.0" encoding="utf-8"?>
 <?mso-contentType ?>
 <FormTemplates xmlns="http://schemas.microsoft.com/sharepoint/v3/contenttype/forms">
@@ -11095,22 +11603,6 @@
 </file>
 
 <file path=customXml/itemProps1.xml><?xml version="1.0" encoding="utf-8"?>
-<ds:datastoreItem xmlns:ds="http://schemas.openxmlformats.org/officeDocument/2006/customXml" ds:itemID="{04098515-0C12-46CF-BC7C-69B4A13CD5FA}">
-  <ds:schemaRefs>
-    <ds:schemaRef ds:uri="http://schemas.microsoft.com/office/2006/documentManagement/types"/>
-    <ds:schemaRef ds:uri="http://schemas.microsoft.com/office/infopath/2007/PartnerControls"/>
-    <ds:schemaRef ds:uri="http://purl.org/dc/elements/1.1/"/>
-    <ds:schemaRef ds:uri="http://schemas.microsoft.com/office/2006/metadata/properties"/>
-    <ds:schemaRef ds:uri="http://purl.org/dc/terms/"/>
-    <ds:schemaRef ds:uri="http://schemas.openxmlformats.org/package/2006/metadata/core-properties"/>
-    <ds:schemaRef ds:uri="4873beb7-5857-4685-be1f-d57550cc96cc"/>
-    <ds:schemaRef ds:uri="http://www.w3.org/XML/1998/namespace"/>
-    <ds:schemaRef ds:uri="http://purl.org/dc/dcmitype/"/>
-  </ds:schemaRefs>
-</ds:datastoreItem>
-</file>
-
-<file path=customXml/itemProps2.xml><?xml version="1.0" encoding="utf-8"?>
 <ds:datastoreItem xmlns:ds="http://schemas.openxmlformats.org/officeDocument/2006/customXml" ds:itemID="{0B5C6E15-39DC-470B-9445-F754B9458020}">
   <ds:schemaRefs>
     <ds:schemaRef ds:uri="http://schemas.microsoft.com/office/2006/metadata/contentType"/>
@@ -11128,6 +11620,22 @@
 </ds:datastoreItem>
 </file>
 
+<file path=customXml/itemProps2.xml><?xml version="1.0" encoding="utf-8"?>
+<ds:datastoreItem xmlns:ds="http://schemas.openxmlformats.org/officeDocument/2006/customXml" ds:itemID="{04098515-0C12-46CF-BC7C-69B4A13CD5FA}">
+  <ds:schemaRefs>
+    <ds:schemaRef ds:uri="http://schemas.microsoft.com/office/2006/documentManagement/types"/>
+    <ds:schemaRef ds:uri="http://schemas.microsoft.com/office/infopath/2007/PartnerControls"/>
+    <ds:schemaRef ds:uri="http://purl.org/dc/elements/1.1/"/>
+    <ds:schemaRef ds:uri="http://schemas.microsoft.com/office/2006/metadata/properties"/>
+    <ds:schemaRef ds:uri="http://purl.org/dc/terms/"/>
+    <ds:schemaRef ds:uri="http://schemas.openxmlformats.org/package/2006/metadata/core-properties"/>
+    <ds:schemaRef ds:uri="4873beb7-5857-4685-be1f-d57550cc96cc"/>
+    <ds:schemaRef ds:uri="http://www.w3.org/XML/1998/namespace"/>
+    <ds:schemaRef ds:uri="http://purl.org/dc/dcmitype/"/>
+  </ds:schemaRefs>
+</ds:datastoreItem>
+</file>
+
 <file path=customXml/itemProps3.xml><?xml version="1.0" encoding="utf-8"?>
 <ds:datastoreItem xmlns:ds="http://schemas.openxmlformats.org/officeDocument/2006/customXml" ds:itemID="{746CFF6F-D9AA-4BC0-911A-0A1356771912}">
   <ds:schemaRefs>
